--- a/materials/slides/ch09-network-config.pptx
+++ b/materials/slides/ch09-network-config.pptx
@@ -117,10 +117,6 @@
 </p:presentation>
 </file>
 
-<file path=ppt/revisionInfo.xml><?xml version="1.0" encoding="utf-8"?>
-<p1510:revInfo xmlns:a="http://schemas.openxmlformats.org/drawingml/2006/main" xmlns:r="http://schemas.openxmlformats.org/officeDocument/2006/relationships" xmlns:p1510="http://schemas.microsoft.com/office/powerpoint/2015/10/main"/>
-</file>
-
 <file path=ppt/slideLayouts/slideLayout1.xml><?xml version="1.0" encoding="utf-8"?>
 <p:sldLayout xmlns:a="http://schemas.openxmlformats.org/drawingml/2006/main" xmlns:r="http://schemas.openxmlformats.org/officeDocument/2006/relationships" xmlns:p="http://schemas.openxmlformats.org/presentationml/2006/main" type="title" preserve="1">
   <p:cSld name="标题幻灯片">
@@ -143,7 +139,7 @@
           <p:cNvPr id="2" name="标题 1">
             <a:extLst>
               <a:ext uri="{FF2B5EF4-FFF2-40B4-BE49-F238E27FC236}">
-                <a16:creationId xmlns="" xmlns:a16="http://schemas.microsoft.com/office/drawing/2014/main" id="{4580D2F7-B8A7-4C62-B10A-5474B198AA52}"/>
+                <a16:creationId xmlns:a16="http://schemas.microsoft.com/office/drawing/2014/main" id="{4580D2F7-B8A7-4C62-B10A-5474B198AA52}"/>
               </a:ext>
             </a:extLst>
           </p:cNvPr>
@@ -180,7 +176,7 @@
           <p:cNvPr id="3" name="副标题 2">
             <a:extLst>
               <a:ext uri="{FF2B5EF4-FFF2-40B4-BE49-F238E27FC236}">
-                <a16:creationId xmlns="" xmlns:a16="http://schemas.microsoft.com/office/drawing/2014/main" id="{D08029E5-A3ED-4480-B211-8244192CDEFE}"/>
+                <a16:creationId xmlns:a16="http://schemas.microsoft.com/office/drawing/2014/main" id="{D08029E5-A3ED-4480-B211-8244192CDEFE}"/>
               </a:ext>
             </a:extLst>
           </p:cNvPr>
@@ -250,7 +246,7 @@
           <p:cNvPr id="4" name="日期占位符 3">
             <a:extLst>
               <a:ext uri="{FF2B5EF4-FFF2-40B4-BE49-F238E27FC236}">
-                <a16:creationId xmlns="" xmlns:a16="http://schemas.microsoft.com/office/drawing/2014/main" id="{358CA2D7-D2C2-4766-8161-DBA60F7BC491}"/>
+                <a16:creationId xmlns:a16="http://schemas.microsoft.com/office/drawing/2014/main" id="{358CA2D7-D2C2-4766-8161-DBA60F7BC491}"/>
               </a:ext>
             </a:extLst>
           </p:cNvPr>
@@ -276,7 +272,7 @@
           <a:p>
             <a:fld id="{02E60DA2-A0BC-48C9-AA88-75C78721B420}" type="datetimeFigureOut">
               <a:rPr lang="zh-CN" altLang="en-US" smtClean="0"/>
-              <a:t>2018/1/3</a:t>
+              <a:t>2018/2/25</a:t>
             </a:fld>
             <a:endParaRPr lang="zh-CN" altLang="en-US"/>
           </a:p>
@@ -287,7 +283,7 @@
           <p:cNvPr id="5" name="页脚占位符 4">
             <a:extLst>
               <a:ext uri="{FF2B5EF4-FFF2-40B4-BE49-F238E27FC236}">
-                <a16:creationId xmlns="" xmlns:a16="http://schemas.microsoft.com/office/drawing/2014/main" id="{E0F8F207-BE97-4512-A051-D1D727642ADF}"/>
+                <a16:creationId xmlns:a16="http://schemas.microsoft.com/office/drawing/2014/main" id="{E0F8F207-BE97-4512-A051-D1D727642ADF}"/>
               </a:ext>
             </a:extLst>
           </p:cNvPr>
@@ -320,7 +316,7 @@
           <p:cNvPr id="6" name="灯片编号占位符 5">
             <a:extLst>
               <a:ext uri="{FF2B5EF4-FFF2-40B4-BE49-F238E27FC236}">
-                <a16:creationId xmlns="" xmlns:a16="http://schemas.microsoft.com/office/drawing/2014/main" id="{57A70888-87D2-4D72-88E3-4EB531FA4D16}"/>
+                <a16:creationId xmlns:a16="http://schemas.microsoft.com/office/drawing/2014/main" id="{57A70888-87D2-4D72-88E3-4EB531FA4D16}"/>
               </a:ext>
             </a:extLst>
           </p:cNvPr>
@@ -387,7 +383,7 @@
           <p:cNvPr id="2" name="标题 1">
             <a:extLst>
               <a:ext uri="{FF2B5EF4-FFF2-40B4-BE49-F238E27FC236}">
-                <a16:creationId xmlns="" xmlns:a16="http://schemas.microsoft.com/office/drawing/2014/main" id="{47B0B2FB-4959-4FE4-86E2-97E4443C002E}"/>
+                <a16:creationId xmlns:a16="http://schemas.microsoft.com/office/drawing/2014/main" id="{47B0B2FB-4959-4FE4-86E2-97E4443C002E}"/>
               </a:ext>
             </a:extLst>
           </p:cNvPr>
@@ -415,7 +411,7 @@
           <p:cNvPr id="3" name="竖排文字占位符 2">
             <a:extLst>
               <a:ext uri="{FF2B5EF4-FFF2-40B4-BE49-F238E27FC236}">
-                <a16:creationId xmlns="" xmlns:a16="http://schemas.microsoft.com/office/drawing/2014/main" id="{BC5CB652-A873-4422-BB38-1FFAA749D5DC}"/>
+                <a16:creationId xmlns:a16="http://schemas.microsoft.com/office/drawing/2014/main" id="{BC5CB652-A873-4422-BB38-1FFAA749D5DC}"/>
               </a:ext>
             </a:extLst>
           </p:cNvPr>
@@ -472,7 +468,7 @@
           <p:cNvPr id="4" name="日期占位符 3">
             <a:extLst>
               <a:ext uri="{FF2B5EF4-FFF2-40B4-BE49-F238E27FC236}">
-                <a16:creationId xmlns="" xmlns:a16="http://schemas.microsoft.com/office/drawing/2014/main" id="{A17A5158-4FD3-42CD-8937-8987BFDF7B88}"/>
+                <a16:creationId xmlns:a16="http://schemas.microsoft.com/office/drawing/2014/main" id="{A17A5158-4FD3-42CD-8937-8987BFDF7B88}"/>
               </a:ext>
             </a:extLst>
           </p:cNvPr>
@@ -498,7 +494,7 @@
           <a:p>
             <a:fld id="{02E60DA2-A0BC-48C9-AA88-75C78721B420}" type="datetimeFigureOut">
               <a:rPr lang="zh-CN" altLang="en-US" smtClean="0"/>
-              <a:t>2018/1/3</a:t>
+              <a:t>2018/2/25</a:t>
             </a:fld>
             <a:endParaRPr lang="zh-CN" altLang="en-US"/>
           </a:p>
@@ -509,7 +505,7 @@
           <p:cNvPr id="5" name="页脚占位符 4">
             <a:extLst>
               <a:ext uri="{FF2B5EF4-FFF2-40B4-BE49-F238E27FC236}">
-                <a16:creationId xmlns="" xmlns:a16="http://schemas.microsoft.com/office/drawing/2014/main" id="{D2C2BA79-53D6-4263-B3EF-84D5A8428278}"/>
+                <a16:creationId xmlns:a16="http://schemas.microsoft.com/office/drawing/2014/main" id="{D2C2BA79-53D6-4263-B3EF-84D5A8428278}"/>
               </a:ext>
             </a:extLst>
           </p:cNvPr>
@@ -542,7 +538,7 @@
           <p:cNvPr id="6" name="灯片编号占位符 5">
             <a:extLst>
               <a:ext uri="{FF2B5EF4-FFF2-40B4-BE49-F238E27FC236}">
-                <a16:creationId xmlns="" xmlns:a16="http://schemas.microsoft.com/office/drawing/2014/main" id="{4BE22221-8CB7-4DBA-9746-B585C0976CD3}"/>
+                <a16:creationId xmlns:a16="http://schemas.microsoft.com/office/drawing/2014/main" id="{4BE22221-8CB7-4DBA-9746-B585C0976CD3}"/>
               </a:ext>
             </a:extLst>
           </p:cNvPr>
@@ -609,7 +605,7 @@
           <p:cNvPr id="2" name="竖排标题 1">
             <a:extLst>
               <a:ext uri="{FF2B5EF4-FFF2-40B4-BE49-F238E27FC236}">
-                <a16:creationId xmlns="" xmlns:a16="http://schemas.microsoft.com/office/drawing/2014/main" id="{9333D106-9CB0-4E10-B301-7397C10E60E3}"/>
+                <a16:creationId xmlns:a16="http://schemas.microsoft.com/office/drawing/2014/main" id="{9333D106-9CB0-4E10-B301-7397C10E60E3}"/>
               </a:ext>
             </a:extLst>
           </p:cNvPr>
@@ -642,7 +638,7 @@
           <p:cNvPr id="3" name="竖排文字占位符 2">
             <a:extLst>
               <a:ext uri="{FF2B5EF4-FFF2-40B4-BE49-F238E27FC236}">
-                <a16:creationId xmlns="" xmlns:a16="http://schemas.microsoft.com/office/drawing/2014/main" id="{E29239A0-3839-4303-B54E-4260334C7BB7}"/>
+                <a16:creationId xmlns:a16="http://schemas.microsoft.com/office/drawing/2014/main" id="{E29239A0-3839-4303-B54E-4260334C7BB7}"/>
               </a:ext>
             </a:extLst>
           </p:cNvPr>
@@ -704,7 +700,7 @@
           <p:cNvPr id="4" name="日期占位符 3">
             <a:extLst>
               <a:ext uri="{FF2B5EF4-FFF2-40B4-BE49-F238E27FC236}">
-                <a16:creationId xmlns="" xmlns:a16="http://schemas.microsoft.com/office/drawing/2014/main" id="{8A1A2039-7BFB-41DB-85F9-F49C92BFFB17}"/>
+                <a16:creationId xmlns:a16="http://schemas.microsoft.com/office/drawing/2014/main" id="{8A1A2039-7BFB-41DB-85F9-F49C92BFFB17}"/>
               </a:ext>
             </a:extLst>
           </p:cNvPr>
@@ -730,7 +726,7 @@
           <a:p>
             <a:fld id="{02E60DA2-A0BC-48C9-AA88-75C78721B420}" type="datetimeFigureOut">
               <a:rPr lang="zh-CN" altLang="en-US" smtClean="0"/>
-              <a:t>2018/1/3</a:t>
+              <a:t>2018/2/25</a:t>
             </a:fld>
             <a:endParaRPr lang="zh-CN" altLang="en-US"/>
           </a:p>
@@ -741,7 +737,7 @@
           <p:cNvPr id="5" name="页脚占位符 4">
             <a:extLst>
               <a:ext uri="{FF2B5EF4-FFF2-40B4-BE49-F238E27FC236}">
-                <a16:creationId xmlns="" xmlns:a16="http://schemas.microsoft.com/office/drawing/2014/main" id="{C278BB87-5004-4714-8C46-6CBF22C35098}"/>
+                <a16:creationId xmlns:a16="http://schemas.microsoft.com/office/drawing/2014/main" id="{C278BB87-5004-4714-8C46-6CBF22C35098}"/>
               </a:ext>
             </a:extLst>
           </p:cNvPr>
@@ -774,7 +770,7 @@
           <p:cNvPr id="6" name="灯片编号占位符 5">
             <a:extLst>
               <a:ext uri="{FF2B5EF4-FFF2-40B4-BE49-F238E27FC236}">
-                <a16:creationId xmlns="" xmlns:a16="http://schemas.microsoft.com/office/drawing/2014/main" id="{FC1B4085-6E0A-4997-BE38-7B5E447F199F}"/>
+                <a16:creationId xmlns:a16="http://schemas.microsoft.com/office/drawing/2014/main" id="{FC1B4085-6E0A-4997-BE38-7B5E447F199F}"/>
               </a:ext>
             </a:extLst>
           </p:cNvPr>
@@ -841,7 +837,7 @@
           <p:cNvPr id="2" name="标题 1">
             <a:extLst>
               <a:ext uri="{FF2B5EF4-FFF2-40B4-BE49-F238E27FC236}">
-                <a16:creationId xmlns="" xmlns:a16="http://schemas.microsoft.com/office/drawing/2014/main" id="{4580D2F7-B8A7-4C62-B10A-5474B198AA52}"/>
+                <a16:creationId xmlns:a16="http://schemas.microsoft.com/office/drawing/2014/main" id="{4580D2F7-B8A7-4C62-B10A-5474B198AA52}"/>
               </a:ext>
             </a:extLst>
           </p:cNvPr>
@@ -881,7 +877,7 @@
           <p:cNvPr id="3" name="副标题 2">
             <a:extLst>
               <a:ext uri="{FF2B5EF4-FFF2-40B4-BE49-F238E27FC236}">
-                <a16:creationId xmlns="" xmlns:a16="http://schemas.microsoft.com/office/drawing/2014/main" id="{D08029E5-A3ED-4480-B211-8244192CDEFE}"/>
+                <a16:creationId xmlns:a16="http://schemas.microsoft.com/office/drawing/2014/main" id="{D08029E5-A3ED-4480-B211-8244192CDEFE}"/>
               </a:ext>
             </a:extLst>
           </p:cNvPr>
@@ -954,7 +950,7 @@
           <p:cNvPr id="4" name="日期占位符 3">
             <a:extLst>
               <a:ext uri="{FF2B5EF4-FFF2-40B4-BE49-F238E27FC236}">
-                <a16:creationId xmlns="" xmlns:a16="http://schemas.microsoft.com/office/drawing/2014/main" id="{358CA2D7-D2C2-4766-8161-DBA60F7BC491}"/>
+                <a16:creationId xmlns:a16="http://schemas.microsoft.com/office/drawing/2014/main" id="{358CA2D7-D2C2-4766-8161-DBA60F7BC491}"/>
               </a:ext>
             </a:extLst>
           </p:cNvPr>
@@ -980,7 +976,7 @@
           <a:p>
             <a:fld id="{02E60DA2-A0BC-48C9-AA88-75C78721B420}" type="datetimeFigureOut">
               <a:rPr lang="zh-CN" altLang="en-US" smtClean="0"/>
-              <a:t>2018/1/3</a:t>
+              <a:t>2018/2/25</a:t>
             </a:fld>
             <a:endParaRPr lang="zh-CN" altLang="en-US"/>
           </a:p>
@@ -991,7 +987,7 @@
           <p:cNvPr id="5" name="页脚占位符 4">
             <a:extLst>
               <a:ext uri="{FF2B5EF4-FFF2-40B4-BE49-F238E27FC236}">
-                <a16:creationId xmlns="" xmlns:a16="http://schemas.microsoft.com/office/drawing/2014/main" id="{E0F8F207-BE97-4512-A051-D1D727642ADF}"/>
+                <a16:creationId xmlns:a16="http://schemas.microsoft.com/office/drawing/2014/main" id="{E0F8F207-BE97-4512-A051-D1D727642ADF}"/>
               </a:ext>
             </a:extLst>
           </p:cNvPr>
@@ -1024,7 +1020,7 @@
           <p:cNvPr id="6" name="灯片编号占位符 5">
             <a:extLst>
               <a:ext uri="{FF2B5EF4-FFF2-40B4-BE49-F238E27FC236}">
-                <a16:creationId xmlns="" xmlns:a16="http://schemas.microsoft.com/office/drawing/2014/main" id="{57A70888-87D2-4D72-88E3-4EB531FA4D16}"/>
+                <a16:creationId xmlns:a16="http://schemas.microsoft.com/office/drawing/2014/main" id="{57A70888-87D2-4D72-88E3-4EB531FA4D16}"/>
               </a:ext>
             </a:extLst>
           </p:cNvPr>
@@ -1091,7 +1087,7 @@
           <p:cNvPr id="2" name="标题 1">
             <a:extLst>
               <a:ext uri="{FF2B5EF4-FFF2-40B4-BE49-F238E27FC236}">
-                <a16:creationId xmlns="" xmlns:a16="http://schemas.microsoft.com/office/drawing/2014/main" id="{FDA06683-1E3B-4E82-B566-82E72C3DC756}"/>
+                <a16:creationId xmlns:a16="http://schemas.microsoft.com/office/drawing/2014/main" id="{FDA06683-1E3B-4E82-B566-82E72C3DC756}"/>
               </a:ext>
             </a:extLst>
           </p:cNvPr>
@@ -1127,7 +1123,7 @@
           <p:cNvPr id="3" name="内容占位符 2">
             <a:extLst>
               <a:ext uri="{FF2B5EF4-FFF2-40B4-BE49-F238E27FC236}">
-                <a16:creationId xmlns="" xmlns:a16="http://schemas.microsoft.com/office/drawing/2014/main" id="{58A1318B-3ABA-473A-A58F-68FE1F405BF6}"/>
+                <a16:creationId xmlns:a16="http://schemas.microsoft.com/office/drawing/2014/main" id="{58A1318B-3ABA-473A-A58F-68FE1F405BF6}"/>
               </a:ext>
             </a:extLst>
           </p:cNvPr>
@@ -1192,7 +1188,7 @@
           <p:cNvPr id="4" name="日期占位符 3">
             <a:extLst>
               <a:ext uri="{FF2B5EF4-FFF2-40B4-BE49-F238E27FC236}">
-                <a16:creationId xmlns="" xmlns:a16="http://schemas.microsoft.com/office/drawing/2014/main" id="{8FD917EC-8501-4020-9EDF-A4F573631242}"/>
+                <a16:creationId xmlns:a16="http://schemas.microsoft.com/office/drawing/2014/main" id="{8FD917EC-8501-4020-9EDF-A4F573631242}"/>
               </a:ext>
             </a:extLst>
           </p:cNvPr>
@@ -1218,7 +1214,7 @@
           <a:p>
             <a:fld id="{02E60DA2-A0BC-48C9-AA88-75C78721B420}" type="datetimeFigureOut">
               <a:rPr lang="zh-CN" altLang="en-US" smtClean="0"/>
-              <a:t>2018/1/3</a:t>
+              <a:t>2018/2/25</a:t>
             </a:fld>
             <a:endParaRPr lang="zh-CN" altLang="en-US"/>
           </a:p>
@@ -1229,7 +1225,7 @@
           <p:cNvPr id="5" name="页脚占位符 4">
             <a:extLst>
               <a:ext uri="{FF2B5EF4-FFF2-40B4-BE49-F238E27FC236}">
-                <a16:creationId xmlns="" xmlns:a16="http://schemas.microsoft.com/office/drawing/2014/main" id="{79615516-0ACC-4FA6-8D41-91D8F5C00CED}"/>
+                <a16:creationId xmlns:a16="http://schemas.microsoft.com/office/drawing/2014/main" id="{79615516-0ACC-4FA6-8D41-91D8F5C00CED}"/>
               </a:ext>
             </a:extLst>
           </p:cNvPr>
@@ -1262,7 +1258,7 @@
           <p:cNvPr id="6" name="灯片编号占位符 5">
             <a:extLst>
               <a:ext uri="{FF2B5EF4-FFF2-40B4-BE49-F238E27FC236}">
-                <a16:creationId xmlns="" xmlns:a16="http://schemas.microsoft.com/office/drawing/2014/main" id="{CF0C0F46-9191-45D5-B62D-2893F5616650}"/>
+                <a16:creationId xmlns:a16="http://schemas.microsoft.com/office/drawing/2014/main" id="{CF0C0F46-9191-45D5-B62D-2893F5616650}"/>
               </a:ext>
             </a:extLst>
           </p:cNvPr>
@@ -1329,7 +1325,7 @@
           <p:cNvPr id="2" name="标题 1">
             <a:extLst>
               <a:ext uri="{FF2B5EF4-FFF2-40B4-BE49-F238E27FC236}">
-                <a16:creationId xmlns="" xmlns:a16="http://schemas.microsoft.com/office/drawing/2014/main" id="{6602C541-D67E-4BE0-B223-149D33CF5FF1}"/>
+                <a16:creationId xmlns:a16="http://schemas.microsoft.com/office/drawing/2014/main" id="{6602C541-D67E-4BE0-B223-149D33CF5FF1}"/>
               </a:ext>
             </a:extLst>
           </p:cNvPr>
@@ -1369,7 +1365,7 @@
           <p:cNvPr id="3" name="文本占位符 2">
             <a:extLst>
               <a:ext uri="{FF2B5EF4-FFF2-40B4-BE49-F238E27FC236}">
-                <a16:creationId xmlns="" xmlns:a16="http://schemas.microsoft.com/office/drawing/2014/main" id="{55E06CBC-8EBA-42F9-B3E0-A843AEDB1BD8}"/>
+                <a16:creationId xmlns:a16="http://schemas.microsoft.com/office/drawing/2014/main" id="{55E06CBC-8EBA-42F9-B3E0-A843AEDB1BD8}"/>
               </a:ext>
             </a:extLst>
           </p:cNvPr>
@@ -1497,7 +1493,7 @@
           <p:cNvPr id="4" name="日期占位符 3">
             <a:extLst>
               <a:ext uri="{FF2B5EF4-FFF2-40B4-BE49-F238E27FC236}">
-                <a16:creationId xmlns="" xmlns:a16="http://schemas.microsoft.com/office/drawing/2014/main" id="{FDB2504C-5AB1-4506-A9D8-1A948CBC2BF3}"/>
+                <a16:creationId xmlns:a16="http://schemas.microsoft.com/office/drawing/2014/main" id="{FDB2504C-5AB1-4506-A9D8-1A948CBC2BF3}"/>
               </a:ext>
             </a:extLst>
           </p:cNvPr>
@@ -1523,7 +1519,7 @@
           <a:p>
             <a:fld id="{02E60DA2-A0BC-48C9-AA88-75C78721B420}" type="datetimeFigureOut">
               <a:rPr lang="zh-CN" altLang="en-US" smtClean="0"/>
-              <a:t>2018/1/3</a:t>
+              <a:t>2018/2/25</a:t>
             </a:fld>
             <a:endParaRPr lang="zh-CN" altLang="en-US"/>
           </a:p>
@@ -1534,7 +1530,7 @@
           <p:cNvPr id="5" name="页脚占位符 4">
             <a:extLst>
               <a:ext uri="{FF2B5EF4-FFF2-40B4-BE49-F238E27FC236}">
-                <a16:creationId xmlns="" xmlns:a16="http://schemas.microsoft.com/office/drawing/2014/main" id="{8EED1BC2-384F-490F-9206-6F27238D90DB}"/>
+                <a16:creationId xmlns:a16="http://schemas.microsoft.com/office/drawing/2014/main" id="{8EED1BC2-384F-490F-9206-6F27238D90DB}"/>
               </a:ext>
             </a:extLst>
           </p:cNvPr>
@@ -1567,7 +1563,7 @@
           <p:cNvPr id="6" name="灯片编号占位符 5">
             <a:extLst>
               <a:ext uri="{FF2B5EF4-FFF2-40B4-BE49-F238E27FC236}">
-                <a16:creationId xmlns="" xmlns:a16="http://schemas.microsoft.com/office/drawing/2014/main" id="{975F5478-33A3-42ED-9060-A6BDD7DBCE9C}"/>
+                <a16:creationId xmlns:a16="http://schemas.microsoft.com/office/drawing/2014/main" id="{975F5478-33A3-42ED-9060-A6BDD7DBCE9C}"/>
               </a:ext>
             </a:extLst>
           </p:cNvPr>
@@ -1634,7 +1630,7 @@
           <p:cNvPr id="2" name="标题 1">
             <a:extLst>
               <a:ext uri="{FF2B5EF4-FFF2-40B4-BE49-F238E27FC236}">
-                <a16:creationId xmlns="" xmlns:a16="http://schemas.microsoft.com/office/drawing/2014/main" id="{F280021F-2F2C-4A26-AE3A-95F8A2B3E147}"/>
+                <a16:creationId xmlns:a16="http://schemas.microsoft.com/office/drawing/2014/main" id="{F280021F-2F2C-4A26-AE3A-95F8A2B3E147}"/>
               </a:ext>
             </a:extLst>
           </p:cNvPr>
@@ -1670,7 +1666,7 @@
           <p:cNvPr id="3" name="内容占位符 2">
             <a:extLst>
               <a:ext uri="{FF2B5EF4-FFF2-40B4-BE49-F238E27FC236}">
-                <a16:creationId xmlns="" xmlns:a16="http://schemas.microsoft.com/office/drawing/2014/main" id="{16BB5DE8-6678-4CCF-AE5C-C34328A85403}"/>
+                <a16:creationId xmlns:a16="http://schemas.microsoft.com/office/drawing/2014/main" id="{16BB5DE8-6678-4CCF-AE5C-C34328A85403}"/>
               </a:ext>
             </a:extLst>
           </p:cNvPr>
@@ -1735,7 +1731,7 @@
           <p:cNvPr id="4" name="内容占位符 3">
             <a:extLst>
               <a:ext uri="{FF2B5EF4-FFF2-40B4-BE49-F238E27FC236}">
-                <a16:creationId xmlns="" xmlns:a16="http://schemas.microsoft.com/office/drawing/2014/main" id="{52D4C2E3-226A-42C0-9112-DDBD640689E2}"/>
+                <a16:creationId xmlns:a16="http://schemas.microsoft.com/office/drawing/2014/main" id="{52D4C2E3-226A-42C0-9112-DDBD640689E2}"/>
               </a:ext>
             </a:extLst>
           </p:cNvPr>
@@ -1800,7 +1796,7 @@
           <p:cNvPr id="5" name="日期占位符 4">
             <a:extLst>
               <a:ext uri="{FF2B5EF4-FFF2-40B4-BE49-F238E27FC236}">
-                <a16:creationId xmlns="" xmlns:a16="http://schemas.microsoft.com/office/drawing/2014/main" id="{5D556E24-99A4-40A5-8584-523B3DC8CC54}"/>
+                <a16:creationId xmlns:a16="http://schemas.microsoft.com/office/drawing/2014/main" id="{5D556E24-99A4-40A5-8584-523B3DC8CC54}"/>
               </a:ext>
             </a:extLst>
           </p:cNvPr>
@@ -1826,7 +1822,7 @@
           <a:p>
             <a:fld id="{02E60DA2-A0BC-48C9-AA88-75C78721B420}" type="datetimeFigureOut">
               <a:rPr lang="zh-CN" altLang="en-US" smtClean="0"/>
-              <a:t>2018/1/3</a:t>
+              <a:t>2018/2/25</a:t>
             </a:fld>
             <a:endParaRPr lang="zh-CN" altLang="en-US"/>
           </a:p>
@@ -1837,7 +1833,7 @@
           <p:cNvPr id="6" name="页脚占位符 5">
             <a:extLst>
               <a:ext uri="{FF2B5EF4-FFF2-40B4-BE49-F238E27FC236}">
-                <a16:creationId xmlns="" xmlns:a16="http://schemas.microsoft.com/office/drawing/2014/main" id="{95588254-DF01-4504-AC65-B12627BAC841}"/>
+                <a16:creationId xmlns:a16="http://schemas.microsoft.com/office/drawing/2014/main" id="{95588254-DF01-4504-AC65-B12627BAC841}"/>
               </a:ext>
             </a:extLst>
           </p:cNvPr>
@@ -1870,7 +1866,7 @@
           <p:cNvPr id="7" name="灯片编号占位符 6">
             <a:extLst>
               <a:ext uri="{FF2B5EF4-FFF2-40B4-BE49-F238E27FC236}">
-                <a16:creationId xmlns="" xmlns:a16="http://schemas.microsoft.com/office/drawing/2014/main" id="{E3DB2B8F-1BF3-4C3D-ADB1-B57BB4FB3DB2}"/>
+                <a16:creationId xmlns:a16="http://schemas.microsoft.com/office/drawing/2014/main" id="{E3DB2B8F-1BF3-4C3D-ADB1-B57BB4FB3DB2}"/>
               </a:ext>
             </a:extLst>
           </p:cNvPr>
@@ -1937,7 +1933,7 @@
           <p:cNvPr id="2" name="标题 1">
             <a:extLst>
               <a:ext uri="{FF2B5EF4-FFF2-40B4-BE49-F238E27FC236}">
-                <a16:creationId xmlns="" xmlns:a16="http://schemas.microsoft.com/office/drawing/2014/main" id="{1FCF7059-1F16-4131-B4F7-8D2FA3ABA857}"/>
+                <a16:creationId xmlns:a16="http://schemas.microsoft.com/office/drawing/2014/main" id="{1FCF7059-1F16-4131-B4F7-8D2FA3ABA857}"/>
               </a:ext>
             </a:extLst>
           </p:cNvPr>
@@ -1973,7 +1969,7 @@
           <p:cNvPr id="3" name="文本占位符 2">
             <a:extLst>
               <a:ext uri="{FF2B5EF4-FFF2-40B4-BE49-F238E27FC236}">
-                <a16:creationId xmlns="" xmlns:a16="http://schemas.microsoft.com/office/drawing/2014/main" id="{642F9B6A-0820-427D-AFA5-C3F5F6C080D8}"/>
+                <a16:creationId xmlns:a16="http://schemas.microsoft.com/office/drawing/2014/main" id="{642F9B6A-0820-427D-AFA5-C3F5F6C080D8}"/>
               </a:ext>
             </a:extLst>
           </p:cNvPr>
@@ -2047,7 +2043,7 @@
           <p:cNvPr id="4" name="内容占位符 3">
             <a:extLst>
               <a:ext uri="{FF2B5EF4-FFF2-40B4-BE49-F238E27FC236}">
-                <a16:creationId xmlns="" xmlns:a16="http://schemas.microsoft.com/office/drawing/2014/main" id="{02AB4C75-6A8C-47B1-9EC2-84DF650C535E}"/>
+                <a16:creationId xmlns:a16="http://schemas.microsoft.com/office/drawing/2014/main" id="{02AB4C75-6A8C-47B1-9EC2-84DF650C535E}"/>
               </a:ext>
             </a:extLst>
           </p:cNvPr>
@@ -2112,7 +2108,7 @@
           <p:cNvPr id="5" name="文本占位符 4">
             <a:extLst>
               <a:ext uri="{FF2B5EF4-FFF2-40B4-BE49-F238E27FC236}">
-                <a16:creationId xmlns="" xmlns:a16="http://schemas.microsoft.com/office/drawing/2014/main" id="{458007A5-D05F-43D0-8B1B-07499E571A57}"/>
+                <a16:creationId xmlns:a16="http://schemas.microsoft.com/office/drawing/2014/main" id="{458007A5-D05F-43D0-8B1B-07499E571A57}"/>
               </a:ext>
             </a:extLst>
           </p:cNvPr>
@@ -2186,7 +2182,7 @@
           <p:cNvPr id="6" name="内容占位符 5">
             <a:extLst>
               <a:ext uri="{FF2B5EF4-FFF2-40B4-BE49-F238E27FC236}">
-                <a16:creationId xmlns="" xmlns:a16="http://schemas.microsoft.com/office/drawing/2014/main" id="{F57234F0-4318-43CD-A0EB-A2518460F791}"/>
+                <a16:creationId xmlns:a16="http://schemas.microsoft.com/office/drawing/2014/main" id="{F57234F0-4318-43CD-A0EB-A2518460F791}"/>
               </a:ext>
             </a:extLst>
           </p:cNvPr>
@@ -2251,7 +2247,7 @@
           <p:cNvPr id="7" name="日期占位符 6">
             <a:extLst>
               <a:ext uri="{FF2B5EF4-FFF2-40B4-BE49-F238E27FC236}">
-                <a16:creationId xmlns="" xmlns:a16="http://schemas.microsoft.com/office/drawing/2014/main" id="{D030C091-FABA-44CF-8760-92751B492903}"/>
+                <a16:creationId xmlns:a16="http://schemas.microsoft.com/office/drawing/2014/main" id="{D030C091-FABA-44CF-8760-92751B492903}"/>
               </a:ext>
             </a:extLst>
           </p:cNvPr>
@@ -2277,7 +2273,7 @@
           <a:p>
             <a:fld id="{02E60DA2-A0BC-48C9-AA88-75C78721B420}" type="datetimeFigureOut">
               <a:rPr lang="zh-CN" altLang="en-US" smtClean="0"/>
-              <a:t>2018/1/3</a:t>
+              <a:t>2018/2/25</a:t>
             </a:fld>
             <a:endParaRPr lang="zh-CN" altLang="en-US"/>
           </a:p>
@@ -2288,7 +2284,7 @@
           <p:cNvPr id="8" name="页脚占位符 7">
             <a:extLst>
               <a:ext uri="{FF2B5EF4-FFF2-40B4-BE49-F238E27FC236}">
-                <a16:creationId xmlns="" xmlns:a16="http://schemas.microsoft.com/office/drawing/2014/main" id="{DFC243E3-88DA-4B81-9749-7E235998D5FA}"/>
+                <a16:creationId xmlns:a16="http://schemas.microsoft.com/office/drawing/2014/main" id="{DFC243E3-88DA-4B81-9749-7E235998D5FA}"/>
               </a:ext>
             </a:extLst>
           </p:cNvPr>
@@ -2321,7 +2317,7 @@
           <p:cNvPr id="9" name="灯片编号占位符 8">
             <a:extLst>
               <a:ext uri="{FF2B5EF4-FFF2-40B4-BE49-F238E27FC236}">
-                <a16:creationId xmlns="" xmlns:a16="http://schemas.microsoft.com/office/drawing/2014/main" id="{DC725EB2-3E8C-4775-ABB0-6845261CB470}"/>
+                <a16:creationId xmlns:a16="http://schemas.microsoft.com/office/drawing/2014/main" id="{DC725EB2-3E8C-4775-ABB0-6845261CB470}"/>
               </a:ext>
             </a:extLst>
           </p:cNvPr>
@@ -2388,7 +2384,7 @@
           <p:cNvPr id="2" name="标题 1">
             <a:extLst>
               <a:ext uri="{FF2B5EF4-FFF2-40B4-BE49-F238E27FC236}">
-                <a16:creationId xmlns="" xmlns:a16="http://schemas.microsoft.com/office/drawing/2014/main" id="{176FF9FA-22DC-4A12-80DB-6BFCA5FC0E2A}"/>
+                <a16:creationId xmlns:a16="http://schemas.microsoft.com/office/drawing/2014/main" id="{176FF9FA-22DC-4A12-80DB-6BFCA5FC0E2A}"/>
               </a:ext>
             </a:extLst>
           </p:cNvPr>
@@ -2424,7 +2420,7 @@
           <p:cNvPr id="3" name="日期占位符 2">
             <a:extLst>
               <a:ext uri="{FF2B5EF4-FFF2-40B4-BE49-F238E27FC236}">
-                <a16:creationId xmlns="" xmlns:a16="http://schemas.microsoft.com/office/drawing/2014/main" id="{04931B3A-E05C-4829-88BD-35F04D285067}"/>
+                <a16:creationId xmlns:a16="http://schemas.microsoft.com/office/drawing/2014/main" id="{04931B3A-E05C-4829-88BD-35F04D285067}"/>
               </a:ext>
             </a:extLst>
           </p:cNvPr>
@@ -2450,7 +2446,7 @@
           <a:p>
             <a:fld id="{02E60DA2-A0BC-48C9-AA88-75C78721B420}" type="datetimeFigureOut">
               <a:rPr lang="zh-CN" altLang="en-US" smtClean="0"/>
-              <a:t>2018/1/3</a:t>
+              <a:t>2018/2/25</a:t>
             </a:fld>
             <a:endParaRPr lang="zh-CN" altLang="en-US"/>
           </a:p>
@@ -2461,7 +2457,7 @@
           <p:cNvPr id="4" name="页脚占位符 3">
             <a:extLst>
               <a:ext uri="{FF2B5EF4-FFF2-40B4-BE49-F238E27FC236}">
-                <a16:creationId xmlns="" xmlns:a16="http://schemas.microsoft.com/office/drawing/2014/main" id="{5C61DA9A-CFE7-484A-83FF-3684F9AA3DCE}"/>
+                <a16:creationId xmlns:a16="http://schemas.microsoft.com/office/drawing/2014/main" id="{5C61DA9A-CFE7-484A-83FF-3684F9AA3DCE}"/>
               </a:ext>
             </a:extLst>
           </p:cNvPr>
@@ -2494,7 +2490,7 @@
           <p:cNvPr id="5" name="灯片编号占位符 4">
             <a:extLst>
               <a:ext uri="{FF2B5EF4-FFF2-40B4-BE49-F238E27FC236}">
-                <a16:creationId xmlns="" xmlns:a16="http://schemas.microsoft.com/office/drawing/2014/main" id="{BB525513-D499-4F43-9AD3-9070531C555A}"/>
+                <a16:creationId xmlns:a16="http://schemas.microsoft.com/office/drawing/2014/main" id="{BB525513-D499-4F43-9AD3-9070531C555A}"/>
               </a:ext>
             </a:extLst>
           </p:cNvPr>
@@ -2561,7 +2557,7 @@
           <p:cNvPr id="2" name="日期占位符 1">
             <a:extLst>
               <a:ext uri="{FF2B5EF4-FFF2-40B4-BE49-F238E27FC236}">
-                <a16:creationId xmlns="" xmlns:a16="http://schemas.microsoft.com/office/drawing/2014/main" id="{856EF436-74CE-42C2-A4F6-B1EC6E2B9DA0}"/>
+                <a16:creationId xmlns:a16="http://schemas.microsoft.com/office/drawing/2014/main" id="{856EF436-74CE-42C2-A4F6-B1EC6E2B9DA0}"/>
               </a:ext>
             </a:extLst>
           </p:cNvPr>
@@ -2587,7 +2583,7 @@
           <a:p>
             <a:fld id="{02E60DA2-A0BC-48C9-AA88-75C78721B420}" type="datetimeFigureOut">
               <a:rPr lang="zh-CN" altLang="en-US" smtClean="0"/>
-              <a:t>2018/1/3</a:t>
+              <a:t>2018/2/25</a:t>
             </a:fld>
             <a:endParaRPr lang="zh-CN" altLang="en-US"/>
           </a:p>
@@ -2598,7 +2594,7 @@
           <p:cNvPr id="3" name="页脚占位符 2">
             <a:extLst>
               <a:ext uri="{FF2B5EF4-FFF2-40B4-BE49-F238E27FC236}">
-                <a16:creationId xmlns="" xmlns:a16="http://schemas.microsoft.com/office/drawing/2014/main" id="{AAAC67BA-8358-4BC2-B9B5-1C37DDD6AF86}"/>
+                <a16:creationId xmlns:a16="http://schemas.microsoft.com/office/drawing/2014/main" id="{AAAC67BA-8358-4BC2-B9B5-1C37DDD6AF86}"/>
               </a:ext>
             </a:extLst>
           </p:cNvPr>
@@ -2631,7 +2627,7 @@
           <p:cNvPr id="4" name="灯片编号占位符 3">
             <a:extLst>
               <a:ext uri="{FF2B5EF4-FFF2-40B4-BE49-F238E27FC236}">
-                <a16:creationId xmlns="" xmlns:a16="http://schemas.microsoft.com/office/drawing/2014/main" id="{3C690F71-28C5-4A3C-A38A-84291F65B4A5}"/>
+                <a16:creationId xmlns:a16="http://schemas.microsoft.com/office/drawing/2014/main" id="{3C690F71-28C5-4A3C-A38A-84291F65B4A5}"/>
               </a:ext>
             </a:extLst>
           </p:cNvPr>
@@ -2698,7 +2694,7 @@
           <p:cNvPr id="2" name="标题 1">
             <a:extLst>
               <a:ext uri="{FF2B5EF4-FFF2-40B4-BE49-F238E27FC236}">
-                <a16:creationId xmlns="" xmlns:a16="http://schemas.microsoft.com/office/drawing/2014/main" id="{2DC4A2AE-8EAF-4AE2-B62C-AA311DE3A1E9}"/>
+                <a16:creationId xmlns:a16="http://schemas.microsoft.com/office/drawing/2014/main" id="{2DC4A2AE-8EAF-4AE2-B62C-AA311DE3A1E9}"/>
               </a:ext>
             </a:extLst>
           </p:cNvPr>
@@ -2738,7 +2734,7 @@
           <p:cNvPr id="3" name="内容占位符 2">
             <a:extLst>
               <a:ext uri="{FF2B5EF4-FFF2-40B4-BE49-F238E27FC236}">
-                <a16:creationId xmlns="" xmlns:a16="http://schemas.microsoft.com/office/drawing/2014/main" id="{29A38D02-3DC7-4778-AF80-35369A40EB85}"/>
+                <a16:creationId xmlns:a16="http://schemas.microsoft.com/office/drawing/2014/main" id="{29A38D02-3DC7-4778-AF80-35369A40EB85}"/>
               </a:ext>
             </a:extLst>
           </p:cNvPr>
@@ -2831,7 +2827,7 @@
           <p:cNvPr id="4" name="文本占位符 3">
             <a:extLst>
               <a:ext uri="{FF2B5EF4-FFF2-40B4-BE49-F238E27FC236}">
-                <a16:creationId xmlns="" xmlns:a16="http://schemas.microsoft.com/office/drawing/2014/main" id="{F8827B4D-182A-4350-87DE-CAB16996E2C8}"/>
+                <a16:creationId xmlns:a16="http://schemas.microsoft.com/office/drawing/2014/main" id="{F8827B4D-182A-4350-87DE-CAB16996E2C8}"/>
               </a:ext>
             </a:extLst>
           </p:cNvPr>
@@ -2905,7 +2901,7 @@
           <p:cNvPr id="5" name="日期占位符 4">
             <a:extLst>
               <a:ext uri="{FF2B5EF4-FFF2-40B4-BE49-F238E27FC236}">
-                <a16:creationId xmlns="" xmlns:a16="http://schemas.microsoft.com/office/drawing/2014/main" id="{D8C60B6D-CB4D-4EE5-B197-8E1F79EB6B67}"/>
+                <a16:creationId xmlns:a16="http://schemas.microsoft.com/office/drawing/2014/main" id="{D8C60B6D-CB4D-4EE5-B197-8E1F79EB6B67}"/>
               </a:ext>
             </a:extLst>
           </p:cNvPr>
@@ -2931,7 +2927,7 @@
           <a:p>
             <a:fld id="{02E60DA2-A0BC-48C9-AA88-75C78721B420}" type="datetimeFigureOut">
               <a:rPr lang="zh-CN" altLang="en-US" smtClean="0"/>
-              <a:t>2018/1/3</a:t>
+              <a:t>2018/2/25</a:t>
             </a:fld>
             <a:endParaRPr lang="zh-CN" altLang="en-US"/>
           </a:p>
@@ -2942,7 +2938,7 @@
           <p:cNvPr id="6" name="页脚占位符 5">
             <a:extLst>
               <a:ext uri="{FF2B5EF4-FFF2-40B4-BE49-F238E27FC236}">
-                <a16:creationId xmlns="" xmlns:a16="http://schemas.microsoft.com/office/drawing/2014/main" id="{9E1979CC-C402-4145-9052-07B431D7AFEC}"/>
+                <a16:creationId xmlns:a16="http://schemas.microsoft.com/office/drawing/2014/main" id="{9E1979CC-C402-4145-9052-07B431D7AFEC}"/>
               </a:ext>
             </a:extLst>
           </p:cNvPr>
@@ -2975,7 +2971,7 @@
           <p:cNvPr id="7" name="灯片编号占位符 6">
             <a:extLst>
               <a:ext uri="{FF2B5EF4-FFF2-40B4-BE49-F238E27FC236}">
-                <a16:creationId xmlns="" xmlns:a16="http://schemas.microsoft.com/office/drawing/2014/main" id="{2154E0DC-BD8A-4F38-903B-3E5633CA2F60}"/>
+                <a16:creationId xmlns:a16="http://schemas.microsoft.com/office/drawing/2014/main" id="{2154E0DC-BD8A-4F38-903B-3E5633CA2F60}"/>
               </a:ext>
             </a:extLst>
           </p:cNvPr>
@@ -3042,7 +3038,7 @@
           <p:cNvPr id="2" name="标题 1">
             <a:extLst>
               <a:ext uri="{FF2B5EF4-FFF2-40B4-BE49-F238E27FC236}">
-                <a16:creationId xmlns="" xmlns:a16="http://schemas.microsoft.com/office/drawing/2014/main" id="{FDA06683-1E3B-4E82-B566-82E72C3DC756}"/>
+                <a16:creationId xmlns:a16="http://schemas.microsoft.com/office/drawing/2014/main" id="{FDA06683-1E3B-4E82-B566-82E72C3DC756}"/>
               </a:ext>
             </a:extLst>
           </p:cNvPr>
@@ -3070,7 +3066,7 @@
           <p:cNvPr id="3" name="内容占位符 2">
             <a:extLst>
               <a:ext uri="{FF2B5EF4-FFF2-40B4-BE49-F238E27FC236}">
-                <a16:creationId xmlns="" xmlns:a16="http://schemas.microsoft.com/office/drawing/2014/main" id="{58A1318B-3ABA-473A-A58F-68FE1F405BF6}"/>
+                <a16:creationId xmlns:a16="http://schemas.microsoft.com/office/drawing/2014/main" id="{58A1318B-3ABA-473A-A58F-68FE1F405BF6}"/>
               </a:ext>
             </a:extLst>
           </p:cNvPr>
@@ -3127,7 +3123,7 @@
           <p:cNvPr id="4" name="日期占位符 3">
             <a:extLst>
               <a:ext uri="{FF2B5EF4-FFF2-40B4-BE49-F238E27FC236}">
-                <a16:creationId xmlns="" xmlns:a16="http://schemas.microsoft.com/office/drawing/2014/main" id="{8FD917EC-8501-4020-9EDF-A4F573631242}"/>
+                <a16:creationId xmlns:a16="http://schemas.microsoft.com/office/drawing/2014/main" id="{8FD917EC-8501-4020-9EDF-A4F573631242}"/>
               </a:ext>
             </a:extLst>
           </p:cNvPr>
@@ -3153,7 +3149,7 @@
           <a:p>
             <a:fld id="{02E60DA2-A0BC-48C9-AA88-75C78721B420}" type="datetimeFigureOut">
               <a:rPr lang="zh-CN" altLang="en-US" smtClean="0"/>
-              <a:t>2018/1/3</a:t>
+              <a:t>2018/2/25</a:t>
             </a:fld>
             <a:endParaRPr lang="zh-CN" altLang="en-US"/>
           </a:p>
@@ -3164,7 +3160,7 @@
           <p:cNvPr id="5" name="页脚占位符 4">
             <a:extLst>
               <a:ext uri="{FF2B5EF4-FFF2-40B4-BE49-F238E27FC236}">
-                <a16:creationId xmlns="" xmlns:a16="http://schemas.microsoft.com/office/drawing/2014/main" id="{79615516-0ACC-4FA6-8D41-91D8F5C00CED}"/>
+                <a16:creationId xmlns:a16="http://schemas.microsoft.com/office/drawing/2014/main" id="{79615516-0ACC-4FA6-8D41-91D8F5C00CED}"/>
               </a:ext>
             </a:extLst>
           </p:cNvPr>
@@ -3197,7 +3193,7 @@
           <p:cNvPr id="6" name="灯片编号占位符 5">
             <a:extLst>
               <a:ext uri="{FF2B5EF4-FFF2-40B4-BE49-F238E27FC236}">
-                <a16:creationId xmlns="" xmlns:a16="http://schemas.microsoft.com/office/drawing/2014/main" id="{CF0C0F46-9191-45D5-B62D-2893F5616650}"/>
+                <a16:creationId xmlns:a16="http://schemas.microsoft.com/office/drawing/2014/main" id="{CF0C0F46-9191-45D5-B62D-2893F5616650}"/>
               </a:ext>
             </a:extLst>
           </p:cNvPr>
@@ -3264,7 +3260,7 @@
           <p:cNvPr id="2" name="标题 1">
             <a:extLst>
               <a:ext uri="{FF2B5EF4-FFF2-40B4-BE49-F238E27FC236}">
-                <a16:creationId xmlns="" xmlns:a16="http://schemas.microsoft.com/office/drawing/2014/main" id="{55D8E271-748E-4E9C-8E22-291FEDCA23FB}"/>
+                <a16:creationId xmlns:a16="http://schemas.microsoft.com/office/drawing/2014/main" id="{55D8E271-748E-4E9C-8E22-291FEDCA23FB}"/>
               </a:ext>
             </a:extLst>
           </p:cNvPr>
@@ -3304,7 +3300,7 @@
           <p:cNvPr id="3" name="图片占位符 2">
             <a:extLst>
               <a:ext uri="{FF2B5EF4-FFF2-40B4-BE49-F238E27FC236}">
-                <a16:creationId xmlns="" xmlns:a16="http://schemas.microsoft.com/office/drawing/2014/main" id="{C656EA3D-02E1-4F87-9FD9-177128AD8CC5}"/>
+                <a16:creationId xmlns:a16="http://schemas.microsoft.com/office/drawing/2014/main" id="{C656EA3D-02E1-4F87-9FD9-177128AD8CC5}"/>
               </a:ext>
             </a:extLst>
           </p:cNvPr>
@@ -3374,7 +3370,7 @@
           <p:cNvPr id="4" name="文本占位符 3">
             <a:extLst>
               <a:ext uri="{FF2B5EF4-FFF2-40B4-BE49-F238E27FC236}">
-                <a16:creationId xmlns="" xmlns:a16="http://schemas.microsoft.com/office/drawing/2014/main" id="{8C3A0957-516C-4962-AA82-F08B70B9D143}"/>
+                <a16:creationId xmlns:a16="http://schemas.microsoft.com/office/drawing/2014/main" id="{8C3A0957-516C-4962-AA82-F08B70B9D143}"/>
               </a:ext>
             </a:extLst>
           </p:cNvPr>
@@ -3448,7 +3444,7 @@
           <p:cNvPr id="5" name="日期占位符 4">
             <a:extLst>
               <a:ext uri="{FF2B5EF4-FFF2-40B4-BE49-F238E27FC236}">
-                <a16:creationId xmlns="" xmlns:a16="http://schemas.microsoft.com/office/drawing/2014/main" id="{ED21E2C7-EDFE-4B51-A5B2-B6CF5067759E}"/>
+                <a16:creationId xmlns:a16="http://schemas.microsoft.com/office/drawing/2014/main" id="{ED21E2C7-EDFE-4B51-A5B2-B6CF5067759E}"/>
               </a:ext>
             </a:extLst>
           </p:cNvPr>
@@ -3474,7 +3470,7 @@
           <a:p>
             <a:fld id="{02E60DA2-A0BC-48C9-AA88-75C78721B420}" type="datetimeFigureOut">
               <a:rPr lang="zh-CN" altLang="en-US" smtClean="0"/>
-              <a:t>2018/1/3</a:t>
+              <a:t>2018/2/25</a:t>
             </a:fld>
             <a:endParaRPr lang="zh-CN" altLang="en-US"/>
           </a:p>
@@ -3485,7 +3481,7 @@
           <p:cNvPr id="6" name="页脚占位符 5">
             <a:extLst>
               <a:ext uri="{FF2B5EF4-FFF2-40B4-BE49-F238E27FC236}">
-                <a16:creationId xmlns="" xmlns:a16="http://schemas.microsoft.com/office/drawing/2014/main" id="{25EF1747-23A0-4DAB-986E-60F5EB6FF554}"/>
+                <a16:creationId xmlns:a16="http://schemas.microsoft.com/office/drawing/2014/main" id="{25EF1747-23A0-4DAB-986E-60F5EB6FF554}"/>
               </a:ext>
             </a:extLst>
           </p:cNvPr>
@@ -3518,7 +3514,7 @@
           <p:cNvPr id="7" name="灯片编号占位符 6">
             <a:extLst>
               <a:ext uri="{FF2B5EF4-FFF2-40B4-BE49-F238E27FC236}">
-                <a16:creationId xmlns="" xmlns:a16="http://schemas.microsoft.com/office/drawing/2014/main" id="{1BB71036-67DE-4C24-9A1C-8991B59BB598}"/>
+                <a16:creationId xmlns:a16="http://schemas.microsoft.com/office/drawing/2014/main" id="{1BB71036-67DE-4C24-9A1C-8991B59BB598}"/>
               </a:ext>
             </a:extLst>
           </p:cNvPr>
@@ -3585,7 +3581,7 @@
           <p:cNvPr id="2" name="标题 1">
             <a:extLst>
               <a:ext uri="{FF2B5EF4-FFF2-40B4-BE49-F238E27FC236}">
-                <a16:creationId xmlns="" xmlns:a16="http://schemas.microsoft.com/office/drawing/2014/main" id="{47B0B2FB-4959-4FE4-86E2-97E4443C002E}"/>
+                <a16:creationId xmlns:a16="http://schemas.microsoft.com/office/drawing/2014/main" id="{47B0B2FB-4959-4FE4-86E2-97E4443C002E}"/>
               </a:ext>
             </a:extLst>
           </p:cNvPr>
@@ -3621,7 +3617,7 @@
           <p:cNvPr id="3" name="竖排文字占位符 2">
             <a:extLst>
               <a:ext uri="{FF2B5EF4-FFF2-40B4-BE49-F238E27FC236}">
-                <a16:creationId xmlns="" xmlns:a16="http://schemas.microsoft.com/office/drawing/2014/main" id="{BC5CB652-A873-4422-BB38-1FFAA749D5DC}"/>
+                <a16:creationId xmlns:a16="http://schemas.microsoft.com/office/drawing/2014/main" id="{BC5CB652-A873-4422-BB38-1FFAA749D5DC}"/>
               </a:ext>
             </a:extLst>
           </p:cNvPr>
@@ -3686,7 +3682,7 @@
           <p:cNvPr id="4" name="日期占位符 3">
             <a:extLst>
               <a:ext uri="{FF2B5EF4-FFF2-40B4-BE49-F238E27FC236}">
-                <a16:creationId xmlns="" xmlns:a16="http://schemas.microsoft.com/office/drawing/2014/main" id="{A17A5158-4FD3-42CD-8937-8987BFDF7B88}"/>
+                <a16:creationId xmlns:a16="http://schemas.microsoft.com/office/drawing/2014/main" id="{A17A5158-4FD3-42CD-8937-8987BFDF7B88}"/>
               </a:ext>
             </a:extLst>
           </p:cNvPr>
@@ -3712,7 +3708,7 @@
           <a:p>
             <a:fld id="{02E60DA2-A0BC-48C9-AA88-75C78721B420}" type="datetimeFigureOut">
               <a:rPr lang="zh-CN" altLang="en-US" smtClean="0"/>
-              <a:t>2018/1/3</a:t>
+              <a:t>2018/2/25</a:t>
             </a:fld>
             <a:endParaRPr lang="zh-CN" altLang="en-US"/>
           </a:p>
@@ -3723,7 +3719,7 @@
           <p:cNvPr id="5" name="页脚占位符 4">
             <a:extLst>
               <a:ext uri="{FF2B5EF4-FFF2-40B4-BE49-F238E27FC236}">
-                <a16:creationId xmlns="" xmlns:a16="http://schemas.microsoft.com/office/drawing/2014/main" id="{D2C2BA79-53D6-4263-B3EF-84D5A8428278}"/>
+                <a16:creationId xmlns:a16="http://schemas.microsoft.com/office/drawing/2014/main" id="{D2C2BA79-53D6-4263-B3EF-84D5A8428278}"/>
               </a:ext>
             </a:extLst>
           </p:cNvPr>
@@ -3756,7 +3752,7 @@
           <p:cNvPr id="6" name="灯片编号占位符 5">
             <a:extLst>
               <a:ext uri="{FF2B5EF4-FFF2-40B4-BE49-F238E27FC236}">
-                <a16:creationId xmlns="" xmlns:a16="http://schemas.microsoft.com/office/drawing/2014/main" id="{4BE22221-8CB7-4DBA-9746-B585C0976CD3}"/>
+                <a16:creationId xmlns:a16="http://schemas.microsoft.com/office/drawing/2014/main" id="{4BE22221-8CB7-4DBA-9746-B585C0976CD3}"/>
               </a:ext>
             </a:extLst>
           </p:cNvPr>
@@ -3823,7 +3819,7 @@
           <p:cNvPr id="2" name="竖排标题 1">
             <a:extLst>
               <a:ext uri="{FF2B5EF4-FFF2-40B4-BE49-F238E27FC236}">
-                <a16:creationId xmlns="" xmlns:a16="http://schemas.microsoft.com/office/drawing/2014/main" id="{9333D106-9CB0-4E10-B301-7397C10E60E3}"/>
+                <a16:creationId xmlns:a16="http://schemas.microsoft.com/office/drawing/2014/main" id="{9333D106-9CB0-4E10-B301-7397C10E60E3}"/>
               </a:ext>
             </a:extLst>
           </p:cNvPr>
@@ -3859,7 +3855,7 @@
           <p:cNvPr id="3" name="竖排文字占位符 2">
             <a:extLst>
               <a:ext uri="{FF2B5EF4-FFF2-40B4-BE49-F238E27FC236}">
-                <a16:creationId xmlns="" xmlns:a16="http://schemas.microsoft.com/office/drawing/2014/main" id="{E29239A0-3839-4303-B54E-4260334C7BB7}"/>
+                <a16:creationId xmlns:a16="http://schemas.microsoft.com/office/drawing/2014/main" id="{E29239A0-3839-4303-B54E-4260334C7BB7}"/>
               </a:ext>
             </a:extLst>
           </p:cNvPr>
@@ -3924,7 +3920,7 @@
           <p:cNvPr id="4" name="日期占位符 3">
             <a:extLst>
               <a:ext uri="{FF2B5EF4-FFF2-40B4-BE49-F238E27FC236}">
-                <a16:creationId xmlns="" xmlns:a16="http://schemas.microsoft.com/office/drawing/2014/main" id="{8A1A2039-7BFB-41DB-85F9-F49C92BFFB17}"/>
+                <a16:creationId xmlns:a16="http://schemas.microsoft.com/office/drawing/2014/main" id="{8A1A2039-7BFB-41DB-85F9-F49C92BFFB17}"/>
               </a:ext>
             </a:extLst>
           </p:cNvPr>
@@ -3950,7 +3946,7 @@
           <a:p>
             <a:fld id="{02E60DA2-A0BC-48C9-AA88-75C78721B420}" type="datetimeFigureOut">
               <a:rPr lang="zh-CN" altLang="en-US" smtClean="0"/>
-              <a:t>2018/1/3</a:t>
+              <a:t>2018/2/25</a:t>
             </a:fld>
             <a:endParaRPr lang="zh-CN" altLang="en-US"/>
           </a:p>
@@ -3961,7 +3957,7 @@
           <p:cNvPr id="5" name="页脚占位符 4">
             <a:extLst>
               <a:ext uri="{FF2B5EF4-FFF2-40B4-BE49-F238E27FC236}">
-                <a16:creationId xmlns="" xmlns:a16="http://schemas.microsoft.com/office/drawing/2014/main" id="{C278BB87-5004-4714-8C46-6CBF22C35098}"/>
+                <a16:creationId xmlns:a16="http://schemas.microsoft.com/office/drawing/2014/main" id="{C278BB87-5004-4714-8C46-6CBF22C35098}"/>
               </a:ext>
             </a:extLst>
           </p:cNvPr>
@@ -3994,7 +3990,7 @@
           <p:cNvPr id="6" name="灯片编号占位符 5">
             <a:extLst>
               <a:ext uri="{FF2B5EF4-FFF2-40B4-BE49-F238E27FC236}">
-                <a16:creationId xmlns="" xmlns:a16="http://schemas.microsoft.com/office/drawing/2014/main" id="{FC1B4085-6E0A-4997-BE38-7B5E447F199F}"/>
+                <a16:creationId xmlns:a16="http://schemas.microsoft.com/office/drawing/2014/main" id="{FC1B4085-6E0A-4997-BE38-7B5E447F199F}"/>
               </a:ext>
             </a:extLst>
           </p:cNvPr>
@@ -4061,7 +4057,7 @@
           <p:cNvPr id="2" name="标题 1">
             <a:extLst>
               <a:ext uri="{FF2B5EF4-FFF2-40B4-BE49-F238E27FC236}">
-                <a16:creationId xmlns="" xmlns:a16="http://schemas.microsoft.com/office/drawing/2014/main" id="{6602C541-D67E-4BE0-B223-149D33CF5FF1}"/>
+                <a16:creationId xmlns:a16="http://schemas.microsoft.com/office/drawing/2014/main" id="{6602C541-D67E-4BE0-B223-149D33CF5FF1}"/>
               </a:ext>
             </a:extLst>
           </p:cNvPr>
@@ -4098,7 +4094,7 @@
           <p:cNvPr id="3" name="文本占位符 2">
             <a:extLst>
               <a:ext uri="{FF2B5EF4-FFF2-40B4-BE49-F238E27FC236}">
-                <a16:creationId xmlns="" xmlns:a16="http://schemas.microsoft.com/office/drawing/2014/main" id="{55E06CBC-8EBA-42F9-B3E0-A843AEDB1BD8}"/>
+                <a16:creationId xmlns:a16="http://schemas.microsoft.com/office/drawing/2014/main" id="{55E06CBC-8EBA-42F9-B3E0-A843AEDB1BD8}"/>
               </a:ext>
             </a:extLst>
           </p:cNvPr>
@@ -4223,7 +4219,7 @@
           <p:cNvPr id="4" name="日期占位符 3">
             <a:extLst>
               <a:ext uri="{FF2B5EF4-FFF2-40B4-BE49-F238E27FC236}">
-                <a16:creationId xmlns="" xmlns:a16="http://schemas.microsoft.com/office/drawing/2014/main" id="{FDB2504C-5AB1-4506-A9D8-1A948CBC2BF3}"/>
+                <a16:creationId xmlns:a16="http://schemas.microsoft.com/office/drawing/2014/main" id="{FDB2504C-5AB1-4506-A9D8-1A948CBC2BF3}"/>
               </a:ext>
             </a:extLst>
           </p:cNvPr>
@@ -4249,7 +4245,7 @@
           <a:p>
             <a:fld id="{02E60DA2-A0BC-48C9-AA88-75C78721B420}" type="datetimeFigureOut">
               <a:rPr lang="zh-CN" altLang="en-US" smtClean="0"/>
-              <a:t>2018/1/3</a:t>
+              <a:t>2018/2/25</a:t>
             </a:fld>
             <a:endParaRPr lang="zh-CN" altLang="en-US"/>
           </a:p>
@@ -4260,7 +4256,7 @@
           <p:cNvPr id="5" name="页脚占位符 4">
             <a:extLst>
               <a:ext uri="{FF2B5EF4-FFF2-40B4-BE49-F238E27FC236}">
-                <a16:creationId xmlns="" xmlns:a16="http://schemas.microsoft.com/office/drawing/2014/main" id="{8EED1BC2-384F-490F-9206-6F27238D90DB}"/>
+                <a16:creationId xmlns:a16="http://schemas.microsoft.com/office/drawing/2014/main" id="{8EED1BC2-384F-490F-9206-6F27238D90DB}"/>
               </a:ext>
             </a:extLst>
           </p:cNvPr>
@@ -4293,7 +4289,7 @@
           <p:cNvPr id="6" name="灯片编号占位符 5">
             <a:extLst>
               <a:ext uri="{FF2B5EF4-FFF2-40B4-BE49-F238E27FC236}">
-                <a16:creationId xmlns="" xmlns:a16="http://schemas.microsoft.com/office/drawing/2014/main" id="{975F5478-33A3-42ED-9060-A6BDD7DBCE9C}"/>
+                <a16:creationId xmlns:a16="http://schemas.microsoft.com/office/drawing/2014/main" id="{975F5478-33A3-42ED-9060-A6BDD7DBCE9C}"/>
               </a:ext>
             </a:extLst>
           </p:cNvPr>
@@ -4360,7 +4356,7 @@
           <p:cNvPr id="2" name="标题 1">
             <a:extLst>
               <a:ext uri="{FF2B5EF4-FFF2-40B4-BE49-F238E27FC236}">
-                <a16:creationId xmlns="" xmlns:a16="http://schemas.microsoft.com/office/drawing/2014/main" id="{F280021F-2F2C-4A26-AE3A-95F8A2B3E147}"/>
+                <a16:creationId xmlns:a16="http://schemas.microsoft.com/office/drawing/2014/main" id="{F280021F-2F2C-4A26-AE3A-95F8A2B3E147}"/>
               </a:ext>
             </a:extLst>
           </p:cNvPr>
@@ -4388,7 +4384,7 @@
           <p:cNvPr id="3" name="内容占位符 2">
             <a:extLst>
               <a:ext uri="{FF2B5EF4-FFF2-40B4-BE49-F238E27FC236}">
-                <a16:creationId xmlns="" xmlns:a16="http://schemas.microsoft.com/office/drawing/2014/main" id="{16BB5DE8-6678-4CCF-AE5C-C34328A85403}"/>
+                <a16:creationId xmlns:a16="http://schemas.microsoft.com/office/drawing/2014/main" id="{16BB5DE8-6678-4CCF-AE5C-C34328A85403}"/>
               </a:ext>
             </a:extLst>
           </p:cNvPr>
@@ -4450,7 +4446,7 @@
           <p:cNvPr id="4" name="内容占位符 3">
             <a:extLst>
               <a:ext uri="{FF2B5EF4-FFF2-40B4-BE49-F238E27FC236}">
-                <a16:creationId xmlns="" xmlns:a16="http://schemas.microsoft.com/office/drawing/2014/main" id="{52D4C2E3-226A-42C0-9112-DDBD640689E2}"/>
+                <a16:creationId xmlns:a16="http://schemas.microsoft.com/office/drawing/2014/main" id="{52D4C2E3-226A-42C0-9112-DDBD640689E2}"/>
               </a:ext>
             </a:extLst>
           </p:cNvPr>
@@ -4512,7 +4508,7 @@
           <p:cNvPr id="5" name="日期占位符 4">
             <a:extLst>
               <a:ext uri="{FF2B5EF4-FFF2-40B4-BE49-F238E27FC236}">
-                <a16:creationId xmlns="" xmlns:a16="http://schemas.microsoft.com/office/drawing/2014/main" id="{5D556E24-99A4-40A5-8584-523B3DC8CC54}"/>
+                <a16:creationId xmlns:a16="http://schemas.microsoft.com/office/drawing/2014/main" id="{5D556E24-99A4-40A5-8584-523B3DC8CC54}"/>
               </a:ext>
             </a:extLst>
           </p:cNvPr>
@@ -4538,7 +4534,7 @@
           <a:p>
             <a:fld id="{02E60DA2-A0BC-48C9-AA88-75C78721B420}" type="datetimeFigureOut">
               <a:rPr lang="zh-CN" altLang="en-US" smtClean="0"/>
-              <a:t>2018/1/3</a:t>
+              <a:t>2018/2/25</a:t>
             </a:fld>
             <a:endParaRPr lang="zh-CN" altLang="en-US"/>
           </a:p>
@@ -4549,7 +4545,7 @@
           <p:cNvPr id="6" name="页脚占位符 5">
             <a:extLst>
               <a:ext uri="{FF2B5EF4-FFF2-40B4-BE49-F238E27FC236}">
-                <a16:creationId xmlns="" xmlns:a16="http://schemas.microsoft.com/office/drawing/2014/main" id="{95588254-DF01-4504-AC65-B12627BAC841}"/>
+                <a16:creationId xmlns:a16="http://schemas.microsoft.com/office/drawing/2014/main" id="{95588254-DF01-4504-AC65-B12627BAC841}"/>
               </a:ext>
             </a:extLst>
           </p:cNvPr>
@@ -4582,7 +4578,7 @@
           <p:cNvPr id="7" name="灯片编号占位符 6">
             <a:extLst>
               <a:ext uri="{FF2B5EF4-FFF2-40B4-BE49-F238E27FC236}">
-                <a16:creationId xmlns="" xmlns:a16="http://schemas.microsoft.com/office/drawing/2014/main" id="{E3DB2B8F-1BF3-4C3D-ADB1-B57BB4FB3DB2}"/>
+                <a16:creationId xmlns:a16="http://schemas.microsoft.com/office/drawing/2014/main" id="{E3DB2B8F-1BF3-4C3D-ADB1-B57BB4FB3DB2}"/>
               </a:ext>
             </a:extLst>
           </p:cNvPr>
@@ -4649,7 +4645,7 @@
           <p:cNvPr id="2" name="标题 1">
             <a:extLst>
               <a:ext uri="{FF2B5EF4-FFF2-40B4-BE49-F238E27FC236}">
-                <a16:creationId xmlns="" xmlns:a16="http://schemas.microsoft.com/office/drawing/2014/main" id="{1FCF7059-1F16-4131-B4F7-8D2FA3ABA857}"/>
+                <a16:creationId xmlns:a16="http://schemas.microsoft.com/office/drawing/2014/main" id="{1FCF7059-1F16-4131-B4F7-8D2FA3ABA857}"/>
               </a:ext>
             </a:extLst>
           </p:cNvPr>
@@ -4682,7 +4678,7 @@
           <p:cNvPr id="3" name="文本占位符 2">
             <a:extLst>
               <a:ext uri="{FF2B5EF4-FFF2-40B4-BE49-F238E27FC236}">
-                <a16:creationId xmlns="" xmlns:a16="http://schemas.microsoft.com/office/drawing/2014/main" id="{642F9B6A-0820-427D-AFA5-C3F5F6C080D8}"/>
+                <a16:creationId xmlns:a16="http://schemas.microsoft.com/office/drawing/2014/main" id="{642F9B6A-0820-427D-AFA5-C3F5F6C080D8}"/>
               </a:ext>
             </a:extLst>
           </p:cNvPr>
@@ -4753,7 +4749,7 @@
           <p:cNvPr id="4" name="内容占位符 3">
             <a:extLst>
               <a:ext uri="{FF2B5EF4-FFF2-40B4-BE49-F238E27FC236}">
-                <a16:creationId xmlns="" xmlns:a16="http://schemas.microsoft.com/office/drawing/2014/main" id="{02AB4C75-6A8C-47B1-9EC2-84DF650C535E}"/>
+                <a16:creationId xmlns:a16="http://schemas.microsoft.com/office/drawing/2014/main" id="{02AB4C75-6A8C-47B1-9EC2-84DF650C535E}"/>
               </a:ext>
             </a:extLst>
           </p:cNvPr>
@@ -4815,7 +4811,7 @@
           <p:cNvPr id="5" name="文本占位符 4">
             <a:extLst>
               <a:ext uri="{FF2B5EF4-FFF2-40B4-BE49-F238E27FC236}">
-                <a16:creationId xmlns="" xmlns:a16="http://schemas.microsoft.com/office/drawing/2014/main" id="{458007A5-D05F-43D0-8B1B-07499E571A57}"/>
+                <a16:creationId xmlns:a16="http://schemas.microsoft.com/office/drawing/2014/main" id="{458007A5-D05F-43D0-8B1B-07499E571A57}"/>
               </a:ext>
             </a:extLst>
           </p:cNvPr>
@@ -4886,7 +4882,7 @@
           <p:cNvPr id="6" name="内容占位符 5">
             <a:extLst>
               <a:ext uri="{FF2B5EF4-FFF2-40B4-BE49-F238E27FC236}">
-                <a16:creationId xmlns="" xmlns:a16="http://schemas.microsoft.com/office/drawing/2014/main" id="{F57234F0-4318-43CD-A0EB-A2518460F791}"/>
+                <a16:creationId xmlns:a16="http://schemas.microsoft.com/office/drawing/2014/main" id="{F57234F0-4318-43CD-A0EB-A2518460F791}"/>
               </a:ext>
             </a:extLst>
           </p:cNvPr>
@@ -4948,7 +4944,7 @@
           <p:cNvPr id="7" name="日期占位符 6">
             <a:extLst>
               <a:ext uri="{FF2B5EF4-FFF2-40B4-BE49-F238E27FC236}">
-                <a16:creationId xmlns="" xmlns:a16="http://schemas.microsoft.com/office/drawing/2014/main" id="{D030C091-FABA-44CF-8760-92751B492903}"/>
+                <a16:creationId xmlns:a16="http://schemas.microsoft.com/office/drawing/2014/main" id="{D030C091-FABA-44CF-8760-92751B492903}"/>
               </a:ext>
             </a:extLst>
           </p:cNvPr>
@@ -4974,7 +4970,7 @@
           <a:p>
             <a:fld id="{02E60DA2-A0BC-48C9-AA88-75C78721B420}" type="datetimeFigureOut">
               <a:rPr lang="zh-CN" altLang="en-US" smtClean="0"/>
-              <a:t>2018/1/3</a:t>
+              <a:t>2018/2/25</a:t>
             </a:fld>
             <a:endParaRPr lang="zh-CN" altLang="en-US"/>
           </a:p>
@@ -4985,7 +4981,7 @@
           <p:cNvPr id="8" name="页脚占位符 7">
             <a:extLst>
               <a:ext uri="{FF2B5EF4-FFF2-40B4-BE49-F238E27FC236}">
-                <a16:creationId xmlns="" xmlns:a16="http://schemas.microsoft.com/office/drawing/2014/main" id="{DFC243E3-88DA-4B81-9749-7E235998D5FA}"/>
+                <a16:creationId xmlns:a16="http://schemas.microsoft.com/office/drawing/2014/main" id="{DFC243E3-88DA-4B81-9749-7E235998D5FA}"/>
               </a:ext>
             </a:extLst>
           </p:cNvPr>
@@ -5018,7 +5014,7 @@
           <p:cNvPr id="9" name="灯片编号占位符 8">
             <a:extLst>
               <a:ext uri="{FF2B5EF4-FFF2-40B4-BE49-F238E27FC236}">
-                <a16:creationId xmlns="" xmlns:a16="http://schemas.microsoft.com/office/drawing/2014/main" id="{DC725EB2-3E8C-4775-ABB0-6845261CB470}"/>
+                <a16:creationId xmlns:a16="http://schemas.microsoft.com/office/drawing/2014/main" id="{DC725EB2-3E8C-4775-ABB0-6845261CB470}"/>
               </a:ext>
             </a:extLst>
           </p:cNvPr>
@@ -5085,7 +5081,7 @@
           <p:cNvPr id="2" name="标题 1">
             <a:extLst>
               <a:ext uri="{FF2B5EF4-FFF2-40B4-BE49-F238E27FC236}">
-                <a16:creationId xmlns="" xmlns:a16="http://schemas.microsoft.com/office/drawing/2014/main" id="{176FF9FA-22DC-4A12-80DB-6BFCA5FC0E2A}"/>
+                <a16:creationId xmlns:a16="http://schemas.microsoft.com/office/drawing/2014/main" id="{176FF9FA-22DC-4A12-80DB-6BFCA5FC0E2A}"/>
               </a:ext>
             </a:extLst>
           </p:cNvPr>
@@ -5113,7 +5109,7 @@
           <p:cNvPr id="3" name="日期占位符 2">
             <a:extLst>
               <a:ext uri="{FF2B5EF4-FFF2-40B4-BE49-F238E27FC236}">
-                <a16:creationId xmlns="" xmlns:a16="http://schemas.microsoft.com/office/drawing/2014/main" id="{04931B3A-E05C-4829-88BD-35F04D285067}"/>
+                <a16:creationId xmlns:a16="http://schemas.microsoft.com/office/drawing/2014/main" id="{04931B3A-E05C-4829-88BD-35F04D285067}"/>
               </a:ext>
             </a:extLst>
           </p:cNvPr>
@@ -5139,7 +5135,7 @@
           <a:p>
             <a:fld id="{02E60DA2-A0BC-48C9-AA88-75C78721B420}" type="datetimeFigureOut">
               <a:rPr lang="zh-CN" altLang="en-US" smtClean="0"/>
-              <a:t>2018/1/3</a:t>
+              <a:t>2018/2/25</a:t>
             </a:fld>
             <a:endParaRPr lang="zh-CN" altLang="en-US"/>
           </a:p>
@@ -5150,7 +5146,7 @@
           <p:cNvPr id="4" name="页脚占位符 3">
             <a:extLst>
               <a:ext uri="{FF2B5EF4-FFF2-40B4-BE49-F238E27FC236}">
-                <a16:creationId xmlns="" xmlns:a16="http://schemas.microsoft.com/office/drawing/2014/main" id="{5C61DA9A-CFE7-484A-83FF-3684F9AA3DCE}"/>
+                <a16:creationId xmlns:a16="http://schemas.microsoft.com/office/drawing/2014/main" id="{5C61DA9A-CFE7-484A-83FF-3684F9AA3DCE}"/>
               </a:ext>
             </a:extLst>
           </p:cNvPr>
@@ -5183,7 +5179,7 @@
           <p:cNvPr id="5" name="灯片编号占位符 4">
             <a:extLst>
               <a:ext uri="{FF2B5EF4-FFF2-40B4-BE49-F238E27FC236}">
-                <a16:creationId xmlns="" xmlns:a16="http://schemas.microsoft.com/office/drawing/2014/main" id="{BB525513-D499-4F43-9AD3-9070531C555A}"/>
+                <a16:creationId xmlns:a16="http://schemas.microsoft.com/office/drawing/2014/main" id="{BB525513-D499-4F43-9AD3-9070531C555A}"/>
               </a:ext>
             </a:extLst>
           </p:cNvPr>
@@ -5250,7 +5246,7 @@
           <p:cNvPr id="2" name="日期占位符 1">
             <a:extLst>
               <a:ext uri="{FF2B5EF4-FFF2-40B4-BE49-F238E27FC236}">
-                <a16:creationId xmlns="" xmlns:a16="http://schemas.microsoft.com/office/drawing/2014/main" id="{856EF436-74CE-42C2-A4F6-B1EC6E2B9DA0}"/>
+                <a16:creationId xmlns:a16="http://schemas.microsoft.com/office/drawing/2014/main" id="{856EF436-74CE-42C2-A4F6-B1EC6E2B9DA0}"/>
               </a:ext>
             </a:extLst>
           </p:cNvPr>
@@ -5276,7 +5272,7 @@
           <a:p>
             <a:fld id="{02E60DA2-A0BC-48C9-AA88-75C78721B420}" type="datetimeFigureOut">
               <a:rPr lang="zh-CN" altLang="en-US" smtClean="0"/>
-              <a:t>2018/1/3</a:t>
+              <a:t>2018/2/25</a:t>
             </a:fld>
             <a:endParaRPr lang="zh-CN" altLang="en-US"/>
           </a:p>
@@ -5287,7 +5283,7 @@
           <p:cNvPr id="3" name="页脚占位符 2">
             <a:extLst>
               <a:ext uri="{FF2B5EF4-FFF2-40B4-BE49-F238E27FC236}">
-                <a16:creationId xmlns="" xmlns:a16="http://schemas.microsoft.com/office/drawing/2014/main" id="{AAAC67BA-8358-4BC2-B9B5-1C37DDD6AF86}"/>
+                <a16:creationId xmlns:a16="http://schemas.microsoft.com/office/drawing/2014/main" id="{AAAC67BA-8358-4BC2-B9B5-1C37DDD6AF86}"/>
               </a:ext>
             </a:extLst>
           </p:cNvPr>
@@ -5320,7 +5316,7 @@
           <p:cNvPr id="4" name="灯片编号占位符 3">
             <a:extLst>
               <a:ext uri="{FF2B5EF4-FFF2-40B4-BE49-F238E27FC236}">
-                <a16:creationId xmlns="" xmlns:a16="http://schemas.microsoft.com/office/drawing/2014/main" id="{3C690F71-28C5-4A3C-A38A-84291F65B4A5}"/>
+                <a16:creationId xmlns:a16="http://schemas.microsoft.com/office/drawing/2014/main" id="{3C690F71-28C5-4A3C-A38A-84291F65B4A5}"/>
               </a:ext>
             </a:extLst>
           </p:cNvPr>
@@ -5387,7 +5383,7 @@
           <p:cNvPr id="2" name="标题 1">
             <a:extLst>
               <a:ext uri="{FF2B5EF4-FFF2-40B4-BE49-F238E27FC236}">
-                <a16:creationId xmlns="" xmlns:a16="http://schemas.microsoft.com/office/drawing/2014/main" id="{2DC4A2AE-8EAF-4AE2-B62C-AA311DE3A1E9}"/>
+                <a16:creationId xmlns:a16="http://schemas.microsoft.com/office/drawing/2014/main" id="{2DC4A2AE-8EAF-4AE2-B62C-AA311DE3A1E9}"/>
               </a:ext>
             </a:extLst>
           </p:cNvPr>
@@ -5424,7 +5420,7 @@
           <p:cNvPr id="3" name="内容占位符 2">
             <a:extLst>
               <a:ext uri="{FF2B5EF4-FFF2-40B4-BE49-F238E27FC236}">
-                <a16:creationId xmlns="" xmlns:a16="http://schemas.microsoft.com/office/drawing/2014/main" id="{29A38D02-3DC7-4778-AF80-35369A40EB85}"/>
+                <a16:creationId xmlns:a16="http://schemas.microsoft.com/office/drawing/2014/main" id="{29A38D02-3DC7-4778-AF80-35369A40EB85}"/>
               </a:ext>
             </a:extLst>
           </p:cNvPr>
@@ -5514,7 +5510,7 @@
           <p:cNvPr id="4" name="文本占位符 3">
             <a:extLst>
               <a:ext uri="{FF2B5EF4-FFF2-40B4-BE49-F238E27FC236}">
-                <a16:creationId xmlns="" xmlns:a16="http://schemas.microsoft.com/office/drawing/2014/main" id="{F8827B4D-182A-4350-87DE-CAB16996E2C8}"/>
+                <a16:creationId xmlns:a16="http://schemas.microsoft.com/office/drawing/2014/main" id="{F8827B4D-182A-4350-87DE-CAB16996E2C8}"/>
               </a:ext>
             </a:extLst>
           </p:cNvPr>
@@ -5585,7 +5581,7 @@
           <p:cNvPr id="5" name="日期占位符 4">
             <a:extLst>
               <a:ext uri="{FF2B5EF4-FFF2-40B4-BE49-F238E27FC236}">
-                <a16:creationId xmlns="" xmlns:a16="http://schemas.microsoft.com/office/drawing/2014/main" id="{D8C60B6D-CB4D-4EE5-B197-8E1F79EB6B67}"/>
+                <a16:creationId xmlns:a16="http://schemas.microsoft.com/office/drawing/2014/main" id="{D8C60B6D-CB4D-4EE5-B197-8E1F79EB6B67}"/>
               </a:ext>
             </a:extLst>
           </p:cNvPr>
@@ -5611,7 +5607,7 @@
           <a:p>
             <a:fld id="{02E60DA2-A0BC-48C9-AA88-75C78721B420}" type="datetimeFigureOut">
               <a:rPr lang="zh-CN" altLang="en-US" smtClean="0"/>
-              <a:t>2018/1/3</a:t>
+              <a:t>2018/2/25</a:t>
             </a:fld>
             <a:endParaRPr lang="zh-CN" altLang="en-US"/>
           </a:p>
@@ -5622,7 +5618,7 @@
           <p:cNvPr id="6" name="页脚占位符 5">
             <a:extLst>
               <a:ext uri="{FF2B5EF4-FFF2-40B4-BE49-F238E27FC236}">
-                <a16:creationId xmlns="" xmlns:a16="http://schemas.microsoft.com/office/drawing/2014/main" id="{9E1979CC-C402-4145-9052-07B431D7AFEC}"/>
+                <a16:creationId xmlns:a16="http://schemas.microsoft.com/office/drawing/2014/main" id="{9E1979CC-C402-4145-9052-07B431D7AFEC}"/>
               </a:ext>
             </a:extLst>
           </p:cNvPr>
@@ -5655,7 +5651,7 @@
           <p:cNvPr id="7" name="灯片编号占位符 6">
             <a:extLst>
               <a:ext uri="{FF2B5EF4-FFF2-40B4-BE49-F238E27FC236}">
-                <a16:creationId xmlns="" xmlns:a16="http://schemas.microsoft.com/office/drawing/2014/main" id="{2154E0DC-BD8A-4F38-903B-3E5633CA2F60}"/>
+                <a16:creationId xmlns:a16="http://schemas.microsoft.com/office/drawing/2014/main" id="{2154E0DC-BD8A-4F38-903B-3E5633CA2F60}"/>
               </a:ext>
             </a:extLst>
           </p:cNvPr>
@@ -5722,7 +5718,7 @@
           <p:cNvPr id="2" name="标题 1">
             <a:extLst>
               <a:ext uri="{FF2B5EF4-FFF2-40B4-BE49-F238E27FC236}">
-                <a16:creationId xmlns="" xmlns:a16="http://schemas.microsoft.com/office/drawing/2014/main" id="{55D8E271-748E-4E9C-8E22-291FEDCA23FB}"/>
+                <a16:creationId xmlns:a16="http://schemas.microsoft.com/office/drawing/2014/main" id="{55D8E271-748E-4E9C-8E22-291FEDCA23FB}"/>
               </a:ext>
             </a:extLst>
           </p:cNvPr>
@@ -5759,7 +5755,7 @@
           <p:cNvPr id="3" name="图片占位符 2">
             <a:extLst>
               <a:ext uri="{FF2B5EF4-FFF2-40B4-BE49-F238E27FC236}">
-                <a16:creationId xmlns="" xmlns:a16="http://schemas.microsoft.com/office/drawing/2014/main" id="{C656EA3D-02E1-4F87-9FD9-177128AD8CC5}"/>
+                <a16:creationId xmlns:a16="http://schemas.microsoft.com/office/drawing/2014/main" id="{C656EA3D-02E1-4F87-9FD9-177128AD8CC5}"/>
               </a:ext>
             </a:extLst>
           </p:cNvPr>
@@ -5826,7 +5822,7 @@
           <p:cNvPr id="4" name="文本占位符 3">
             <a:extLst>
               <a:ext uri="{FF2B5EF4-FFF2-40B4-BE49-F238E27FC236}">
-                <a16:creationId xmlns="" xmlns:a16="http://schemas.microsoft.com/office/drawing/2014/main" id="{8C3A0957-516C-4962-AA82-F08B70B9D143}"/>
+                <a16:creationId xmlns:a16="http://schemas.microsoft.com/office/drawing/2014/main" id="{8C3A0957-516C-4962-AA82-F08B70B9D143}"/>
               </a:ext>
             </a:extLst>
           </p:cNvPr>
@@ -5897,7 +5893,7 @@
           <p:cNvPr id="5" name="日期占位符 4">
             <a:extLst>
               <a:ext uri="{FF2B5EF4-FFF2-40B4-BE49-F238E27FC236}">
-                <a16:creationId xmlns="" xmlns:a16="http://schemas.microsoft.com/office/drawing/2014/main" id="{ED21E2C7-EDFE-4B51-A5B2-B6CF5067759E}"/>
+                <a16:creationId xmlns:a16="http://schemas.microsoft.com/office/drawing/2014/main" id="{ED21E2C7-EDFE-4B51-A5B2-B6CF5067759E}"/>
               </a:ext>
             </a:extLst>
           </p:cNvPr>
@@ -5923,7 +5919,7 @@
           <a:p>
             <a:fld id="{02E60DA2-A0BC-48C9-AA88-75C78721B420}" type="datetimeFigureOut">
               <a:rPr lang="zh-CN" altLang="en-US" smtClean="0"/>
-              <a:t>2018/1/3</a:t>
+              <a:t>2018/2/25</a:t>
             </a:fld>
             <a:endParaRPr lang="zh-CN" altLang="en-US"/>
           </a:p>
@@ -5934,7 +5930,7 @@
           <p:cNvPr id="6" name="页脚占位符 5">
             <a:extLst>
               <a:ext uri="{FF2B5EF4-FFF2-40B4-BE49-F238E27FC236}">
-                <a16:creationId xmlns="" xmlns:a16="http://schemas.microsoft.com/office/drawing/2014/main" id="{25EF1747-23A0-4DAB-986E-60F5EB6FF554}"/>
+                <a16:creationId xmlns:a16="http://schemas.microsoft.com/office/drawing/2014/main" id="{25EF1747-23A0-4DAB-986E-60F5EB6FF554}"/>
               </a:ext>
             </a:extLst>
           </p:cNvPr>
@@ -5967,7 +5963,7 @@
           <p:cNvPr id="7" name="灯片编号占位符 6">
             <a:extLst>
               <a:ext uri="{FF2B5EF4-FFF2-40B4-BE49-F238E27FC236}">
-                <a16:creationId xmlns="" xmlns:a16="http://schemas.microsoft.com/office/drawing/2014/main" id="{1BB71036-67DE-4C24-9A1C-8991B59BB598}"/>
+                <a16:creationId xmlns:a16="http://schemas.microsoft.com/office/drawing/2014/main" id="{1BB71036-67DE-4C24-9A1C-8991B59BB598}"/>
               </a:ext>
             </a:extLst>
           </p:cNvPr>
@@ -6039,7 +6035,7 @@
           <p:cNvPr id="2" name="标题占位符 1">
             <a:extLst>
               <a:ext uri="{FF2B5EF4-FFF2-40B4-BE49-F238E27FC236}">
-                <a16:creationId xmlns="" xmlns:a16="http://schemas.microsoft.com/office/drawing/2014/main" id="{17047EAE-6544-4C32-BB1B-DEB9CA27D387}"/>
+                <a16:creationId xmlns:a16="http://schemas.microsoft.com/office/drawing/2014/main" id="{17047EAE-6544-4C32-BB1B-DEB9CA27D387}"/>
               </a:ext>
             </a:extLst>
           </p:cNvPr>
@@ -6077,7 +6073,7 @@
           <p:cNvPr id="3" name="文本占位符 2">
             <a:extLst>
               <a:ext uri="{FF2B5EF4-FFF2-40B4-BE49-F238E27FC236}">
-                <a16:creationId xmlns="" xmlns:a16="http://schemas.microsoft.com/office/drawing/2014/main" id="{343275D9-644D-48CC-93A4-9303E430DE72}"/>
+                <a16:creationId xmlns:a16="http://schemas.microsoft.com/office/drawing/2014/main" id="{343275D9-644D-48CC-93A4-9303E430DE72}"/>
               </a:ext>
             </a:extLst>
           </p:cNvPr>
@@ -6144,7 +6140,7 @@
           <p:cNvPr id="8" name="直接连接符 7">
             <a:extLst>
               <a:ext uri="{FF2B5EF4-FFF2-40B4-BE49-F238E27FC236}">
-                <a16:creationId xmlns="" xmlns:a16="http://schemas.microsoft.com/office/drawing/2014/main" id="{3461F74E-FC76-4826-8105-C187AB1791BC}"/>
+                <a16:creationId xmlns:a16="http://schemas.microsoft.com/office/drawing/2014/main" id="{3461F74E-FC76-4826-8105-C187AB1791BC}"/>
               </a:ext>
             </a:extLst>
           </p:cNvPr>
@@ -6185,7 +6181,7 @@
           <p:cNvPr id="9" name="文本框 8">
             <a:extLst>
               <a:ext uri="{FF2B5EF4-FFF2-40B4-BE49-F238E27FC236}">
-                <a16:creationId xmlns="" xmlns:a16="http://schemas.microsoft.com/office/drawing/2014/main" id="{7B2D7D35-142C-46D3-BC62-F961CC4338CB}"/>
+                <a16:creationId xmlns:a16="http://schemas.microsoft.com/office/drawing/2014/main" id="{7B2D7D35-142C-46D3-BC62-F961CC4338CB}"/>
               </a:ext>
             </a:extLst>
           </p:cNvPr>
@@ -6579,7 +6575,7 @@
           <p:cNvPr id="9" name="文本框 8">
             <a:extLst>
               <a:ext uri="{FF2B5EF4-FFF2-40B4-BE49-F238E27FC236}">
-                <a16:creationId xmlns="" xmlns:a16="http://schemas.microsoft.com/office/drawing/2014/main" id="{7B2D7D35-142C-46D3-BC62-F961CC4338CB}"/>
+                <a16:creationId xmlns:a16="http://schemas.microsoft.com/office/drawing/2014/main" id="{7B2D7D35-142C-46D3-BC62-F961CC4338CB}"/>
               </a:ext>
             </a:extLst>
           </p:cNvPr>
@@ -6982,7 +6978,7 @@
           <p:cNvPr id="2" name="标题 1">
             <a:extLst>
               <a:ext uri="{FF2B5EF4-FFF2-40B4-BE49-F238E27FC236}">
-                <a16:creationId xmlns="" xmlns:a16="http://schemas.microsoft.com/office/drawing/2014/main" id="{71030DC9-2374-46B1-811E-572401BAF3D1}"/>
+                <a16:creationId xmlns:a16="http://schemas.microsoft.com/office/drawing/2014/main" id="{71030DC9-2374-46B1-811E-572401BAF3D1}"/>
               </a:ext>
             </a:extLst>
           </p:cNvPr>
@@ -7048,7 +7044,7 @@
           <p:cNvPr id="3" name="副标题 2">
             <a:extLst>
               <a:ext uri="{FF2B5EF4-FFF2-40B4-BE49-F238E27FC236}">
-                <a16:creationId xmlns="" xmlns:a16="http://schemas.microsoft.com/office/drawing/2014/main" id="{DBFB0B47-0360-4ADB-A293-64ED809A7AAE}"/>
+                <a16:creationId xmlns:a16="http://schemas.microsoft.com/office/drawing/2014/main" id="{DBFB0B47-0360-4ADB-A293-64ED809A7AAE}"/>
               </a:ext>
             </a:extLst>
           </p:cNvPr>
@@ -7070,22 +7066,23 @@
           <a:lstStyle/>
           <a:p>
             <a:r>
-              <a:rPr lang="zh-CN" altLang="en-US" sz="3600" dirty="0" smtClean="0">
+              <a:rPr lang="zh-CN" altLang="en-US" sz="3600" dirty="0">
                 <a:solidFill>
                   <a:schemeClr val="tx2">
                     <a:lumMod val="50000"/>
                   </a:schemeClr>
                 </a:solidFill>
               </a:rPr>
-              <a:t>第六讲 文件管理</a:t>
-            </a:r>
-            <a:endParaRPr lang="zh-CN" altLang="en-US" sz="3600" dirty="0">
-              <a:solidFill>
-                <a:schemeClr val="tx2">
-                  <a:lumMod val="50000"/>
-                </a:schemeClr>
-              </a:solidFill>
-            </a:endParaRPr>
+              <a:t>第九讲 </a:t>
+            </a:r>
+            <a:r>
+              <a:rPr lang="zh-CN" altLang="en-US" sz="3600" dirty="0">
+                <a:solidFill>
+                  <a:srgbClr val="C00000"/>
+                </a:solidFill>
+              </a:rPr>
+              <a:t>网络配置</a:t>
+            </a:r>
           </a:p>
         </p:txBody>
       </p:sp>
@@ -7124,7 +7121,7 @@
           <p:cNvPr id="2" name="标题 1">
             <a:extLst>
               <a:ext uri="{FF2B5EF4-FFF2-40B4-BE49-F238E27FC236}">
-                <a16:creationId xmlns="" xmlns:a16="http://schemas.microsoft.com/office/drawing/2014/main" id="{8B88BACC-24DE-4087-9AB3-A099CF573089}"/>
+                <a16:creationId xmlns:a16="http://schemas.microsoft.com/office/drawing/2014/main" id="{8B88BACC-24DE-4087-9AB3-A099CF573089}"/>
               </a:ext>
             </a:extLst>
           </p:cNvPr>
@@ -7141,10 +7138,9 @@
           <a:lstStyle/>
           <a:p>
             <a:r>
-              <a:rPr lang="zh-CN" altLang="en-US" dirty="0" smtClean="0"/>
-              <a:t>列出文件详细信息</a:t>
-            </a:r>
-            <a:endParaRPr lang="zh-CN" altLang="en-US" dirty="0"/>
+              <a:rPr lang="zh-CN" altLang="en-US" dirty="0"/>
+              <a:t>本课程任务</a:t>
+            </a:r>
           </a:p>
         </p:txBody>
       </p:sp>
@@ -7153,7 +7149,7 @@
           <p:cNvPr id="3" name="内容占位符 2">
             <a:extLst>
               <a:ext uri="{FF2B5EF4-FFF2-40B4-BE49-F238E27FC236}">
-                <a16:creationId xmlns="" xmlns:a16="http://schemas.microsoft.com/office/drawing/2014/main" id="{0A1C6B17-780B-4799-8193-E52FD817AC0E}"/>
+                <a16:creationId xmlns:a16="http://schemas.microsoft.com/office/drawing/2014/main" id="{0A1C6B17-780B-4799-8193-E52FD817AC0E}"/>
               </a:ext>
             </a:extLst>
           </p:cNvPr>
@@ -7170,123 +7166,37 @@
           <a:lstStyle/>
           <a:p>
             <a:r>
+              <a:rPr lang="en-US" altLang="zh-CN" sz="2000" dirty="0"/>
+              <a:t>Linux</a:t>
+            </a:r>
+            <a:r>
               <a:rPr lang="zh-CN" altLang="en-US" sz="2000" dirty="0"/>
-              <a:t>终端运行 </a:t>
+              <a:t>网络管理是一个单独的领域，需要计算机网络的专业知识。</a:t>
+            </a:r>
+            <a:endParaRPr lang="en-US" altLang="zh-CN" sz="2000" dirty="0"/>
+          </a:p>
+          <a:p>
+            <a:endParaRPr lang="en-US" altLang="zh-CN" sz="2000" dirty="0"/>
+          </a:p>
+          <a:p>
+            <a:r>
+              <a:rPr lang="zh-CN" altLang="en-US" sz="2000" dirty="0"/>
+              <a:t>本次课程讲解在实际使用过程中，普通用户如何去进行网络设置、查看网络端口情况、控制网络服务、查看</a:t>
             </a:r>
             <a:r>
               <a:rPr lang="en-US" altLang="zh-CN" sz="2000" dirty="0"/>
-              <a:t>echo ‘hello world’ &gt; </a:t>
-            </a:r>
-            <a:r>
-              <a:rPr lang="en-US" altLang="zh-CN" sz="2000" dirty="0" err="1" smtClean="0"/>
-              <a:t>tmp</a:t>
-            </a:r>
-            <a:endParaRPr lang="en-US" altLang="zh-CN" sz="2000" dirty="0" smtClean="0"/>
-          </a:p>
-          <a:p>
-            <a:r>
-              <a:rPr lang="zh-CN" altLang="en-US" sz="2000" dirty="0" smtClean="0"/>
-              <a:t>运行</a:t>
-            </a:r>
-            <a:r>
-              <a:rPr lang="en-US" altLang="zh-CN" sz="2000" dirty="0" smtClean="0"/>
-              <a:t>echo </a:t>
-            </a:r>
-            <a:r>
-              <a:rPr lang="zh-CN" altLang="en-US" sz="2000" dirty="0" smtClean="0"/>
-              <a:t>‘</a:t>
-            </a:r>
-            <a:r>
-              <a:rPr lang="en-US" altLang="zh-CN" sz="2000" dirty="0" err="1" smtClean="0"/>
-              <a:t>linux</a:t>
-            </a:r>
-            <a:r>
-              <a:rPr lang="en-US" altLang="zh-CN" sz="2000" dirty="0" smtClean="0"/>
-              <a:t> is best</a:t>
-            </a:r>
-            <a:r>
-              <a:rPr lang="zh-CN" altLang="en-US" sz="2000" dirty="0" smtClean="0"/>
-              <a:t>’ </a:t>
-            </a:r>
-            <a:r>
-              <a:rPr lang="en-US" altLang="zh-CN" sz="2000" dirty="0" smtClean="0"/>
-              <a:t>&gt;&gt; </a:t>
-            </a:r>
-            <a:r>
-              <a:rPr lang="en-US" altLang="zh-CN" sz="2000" dirty="0" err="1" smtClean="0"/>
-              <a:t>tmp</a:t>
+              <a:t>IP</a:t>
+            </a:r>
+            <a:r>
+              <a:rPr lang="zh-CN" altLang="en-US" sz="2000" dirty="0"/>
+              <a:t>信息等。</a:t>
             </a:r>
             <a:endParaRPr lang="en-US" altLang="zh-CN" sz="2000" dirty="0"/>
           </a:p>
           <a:p>
-            <a:r>
-              <a:rPr lang="zh-CN" altLang="en-US" sz="2000" dirty="0"/>
-              <a:t>然后运行 </a:t>
-            </a:r>
-            <a:r>
-              <a:rPr lang="en-US" altLang="zh-CN" sz="2000" dirty="0"/>
-              <a:t>grep </a:t>
-            </a:r>
-            <a:r>
-              <a:rPr lang="zh-CN" altLang="en-US" sz="2000" dirty="0"/>
-              <a:t>‘</a:t>
-            </a:r>
-            <a:r>
-              <a:rPr lang="en-US" altLang="zh-CN" sz="2000" dirty="0"/>
-              <a:t>hello</a:t>
-            </a:r>
-            <a:r>
-              <a:rPr lang="zh-CN" altLang="en-US" sz="2000" dirty="0"/>
-              <a:t>’ </a:t>
-            </a:r>
-            <a:r>
-              <a:rPr lang="en-US" altLang="zh-CN" sz="2000" dirty="0"/>
-              <a:t>&lt; </a:t>
-            </a:r>
-            <a:r>
-              <a:rPr lang="en-US" altLang="zh-CN" sz="2000" dirty="0" err="1" smtClean="0"/>
-              <a:t>tmp</a:t>
-            </a:r>
-            <a:endParaRPr lang="en-US" altLang="zh-CN" sz="2000" dirty="0" smtClean="0"/>
-          </a:p>
-          <a:p>
-            <a:r>
-              <a:rPr lang="zh-CN" altLang="en-US" sz="2000" dirty="0" smtClean="0"/>
-              <a:t>以上使用了</a:t>
-            </a:r>
-            <a:r>
-              <a:rPr lang="en-US" altLang="zh-CN" sz="2000" dirty="0" smtClean="0"/>
-              <a:t>IO</a:t>
-            </a:r>
-            <a:r>
-              <a:rPr lang="zh-CN" altLang="en-US" sz="2000" dirty="0" smtClean="0"/>
-              <a:t>重定向</a:t>
-            </a:r>
             <a:endParaRPr lang="en-US" altLang="zh-CN" sz="2000" dirty="0"/>
           </a:p>
           <a:p>
-            <a:r>
-              <a:rPr lang="zh-CN" altLang="en-US" sz="2000" dirty="0"/>
-              <a:t>接下来运行 </a:t>
-            </a:r>
-            <a:r>
-              <a:rPr lang="en-US" altLang="zh-CN" sz="2000" dirty="0"/>
-              <a:t>ls –R /</a:t>
-            </a:r>
-            <a:r>
-              <a:rPr lang="en-US" altLang="zh-CN" sz="2000" dirty="0" err="1"/>
-              <a:t>usr</a:t>
-            </a:r>
-            <a:r>
-              <a:rPr lang="en-US" altLang="zh-CN" sz="2000" dirty="0"/>
-              <a:t>/share | less</a:t>
-            </a:r>
-          </a:p>
-          <a:p>
-            <a:r>
-              <a:rPr lang="zh-CN" altLang="en-US" sz="2000" dirty="0"/>
-              <a:t>这个命令使用了管道技术</a:t>
-            </a:r>
             <a:endParaRPr lang="en-US" altLang="zh-CN" sz="2000" dirty="0"/>
           </a:p>
         </p:txBody>
@@ -7326,7 +7236,7 @@
           <p:cNvPr id="2" name="标题 1">
             <a:extLst>
               <a:ext uri="{FF2B5EF4-FFF2-40B4-BE49-F238E27FC236}">
-                <a16:creationId xmlns="" xmlns:a16="http://schemas.microsoft.com/office/drawing/2014/main" id="{8B88BACC-24DE-4087-9AB3-A099CF573089}"/>
+                <a16:creationId xmlns:a16="http://schemas.microsoft.com/office/drawing/2014/main" id="{8B88BACC-24DE-4087-9AB3-A099CF573089}"/>
               </a:ext>
             </a:extLst>
           </p:cNvPr>
@@ -7343,10 +7253,9 @@
           <a:lstStyle/>
           <a:p>
             <a:r>
-              <a:rPr lang="zh-CN" altLang="en-US" dirty="0" smtClean="0"/>
-              <a:t>文件权限与所属用户</a:t>
-            </a:r>
-            <a:endParaRPr lang="zh-CN" altLang="en-US" dirty="0"/>
+              <a:rPr lang="zh-CN" altLang="en-US" dirty="0"/>
+              <a:t>查看网络配置信息</a:t>
+            </a:r>
           </a:p>
         </p:txBody>
       </p:sp>
@@ -7355,7 +7264,7 @@
           <p:cNvPr id="3" name="内容占位符 2">
             <a:extLst>
               <a:ext uri="{FF2B5EF4-FFF2-40B4-BE49-F238E27FC236}">
-                <a16:creationId xmlns="" xmlns:a16="http://schemas.microsoft.com/office/drawing/2014/main" id="{0A1C6B17-780B-4799-8193-E52FD817AC0E}"/>
+                <a16:creationId xmlns:a16="http://schemas.microsoft.com/office/drawing/2014/main" id="{0A1C6B17-780B-4799-8193-E52FD817AC0E}"/>
               </a:ext>
             </a:extLst>
           </p:cNvPr>
@@ -7372,109 +7281,41 @@
           <a:lstStyle/>
           <a:p>
             <a:r>
+              <a:rPr lang="en-US" altLang="zh-CN" sz="2000" dirty="0" err="1"/>
+              <a:t>ip</a:t>
+            </a:r>
+            <a:r>
+              <a:rPr lang="en-US" altLang="zh-CN" sz="2000" dirty="0"/>
+              <a:t>  </a:t>
+            </a:r>
+            <a:r>
+              <a:rPr lang="en-US" altLang="zh-CN" sz="2000" dirty="0" err="1"/>
+              <a:t>addr</a:t>
+            </a:r>
+            <a:r>
+              <a:rPr lang="en-US" altLang="zh-CN" sz="2000" dirty="0"/>
+              <a:t> </a:t>
+            </a:r>
+            <a:r>
               <a:rPr lang="zh-CN" altLang="en-US" sz="2000" dirty="0"/>
-              <a:t>任何一个进程都有</a:t>
+              <a:t>显示网卡以及</a:t>
             </a:r>
             <a:r>
               <a:rPr lang="en-US" altLang="zh-CN" sz="2000" dirty="0"/>
-              <a:t>3</a:t>
+              <a:t>IP</a:t>
             </a:r>
             <a:r>
               <a:rPr lang="zh-CN" altLang="en-US" sz="2000" dirty="0"/>
-              <a:t>个信道：</a:t>
-            </a:r>
-            <a:endParaRPr lang="en-US" altLang="zh-CN" sz="2000" dirty="0"/>
-          </a:p>
-          <a:p>
-            <a:pPr marL="457200" lvl="1" indent="0">
-              <a:buNone/>
-            </a:pPr>
-            <a:r>
-              <a:rPr lang="zh-CN" altLang="en-US" sz="1600" dirty="0"/>
-              <a:t>标准输入（</a:t>
-            </a:r>
-            <a:r>
-              <a:rPr lang="en-US" altLang="zh-CN" sz="1600" dirty="0"/>
-              <a:t>STDIN</a:t>
-            </a:r>
-            <a:r>
-              <a:rPr lang="zh-CN" altLang="en-US" sz="1600" dirty="0"/>
-              <a:t>）</a:t>
-            </a:r>
-            <a:endParaRPr lang="en-US" altLang="zh-CN" sz="1600" dirty="0"/>
-          </a:p>
-          <a:p>
-            <a:pPr marL="457200" lvl="1" indent="0">
-              <a:buNone/>
-            </a:pPr>
-            <a:r>
-              <a:rPr lang="zh-CN" altLang="en-US" sz="1600" dirty="0"/>
-              <a:t>标准输出（</a:t>
-            </a:r>
-            <a:r>
-              <a:rPr lang="en-US" altLang="zh-CN" sz="1600" dirty="0"/>
-              <a:t>STDOUT</a:t>
-            </a:r>
-            <a:r>
-              <a:rPr lang="zh-CN" altLang="en-US" sz="1600" dirty="0"/>
-              <a:t>）</a:t>
-            </a:r>
-            <a:endParaRPr lang="en-US" altLang="zh-CN" sz="1600" dirty="0"/>
-          </a:p>
-          <a:p>
-            <a:pPr marL="457200" lvl="1" indent="0">
-              <a:buNone/>
-            </a:pPr>
-            <a:r>
-              <a:rPr lang="zh-CN" altLang="en-US" sz="1600" dirty="0"/>
-              <a:t>标准错误输出（</a:t>
-            </a:r>
-            <a:r>
-              <a:rPr lang="en-US" altLang="zh-CN" sz="1600" dirty="0"/>
-              <a:t>STDERR</a:t>
-            </a:r>
-            <a:r>
-              <a:rPr lang="zh-CN" altLang="en-US" sz="1600" dirty="0"/>
-              <a:t>）</a:t>
-            </a:r>
-            <a:endParaRPr lang="en-US" altLang="zh-CN" sz="1600" dirty="0"/>
-          </a:p>
-          <a:p>
+              <a:t>地址，</a:t>
+            </a:r>
+            <a:r>
+              <a:rPr lang="en-US" altLang="zh-CN" sz="2000" dirty="0"/>
+              <a:t>MAC</a:t>
+            </a:r>
             <a:r>
               <a:rPr lang="zh-CN" altLang="en-US" sz="2000" dirty="0"/>
-              <a:t>程序不需要知道流向，仅仅是读取并输出即可。</a:t>
-            </a:r>
-            <a:endParaRPr lang="en-US" altLang="zh-CN" sz="2000" dirty="0"/>
-          </a:p>
-          <a:p>
-            <a:r>
-              <a:rPr lang="zh-CN" altLang="en-US" sz="2000" dirty="0"/>
-              <a:t>默认情况下，标准输入是键盘输入，标准输出是显示设备，标准错误输出也是显示设备。</a:t>
-            </a:r>
-            <a:endParaRPr lang="en-US" altLang="zh-CN" sz="2000" dirty="0"/>
-          </a:p>
-          <a:p>
-            <a:r>
-              <a:rPr lang="zh-CN" altLang="en-US" sz="2000" dirty="0"/>
-              <a:t>基于一切都是文件的设计思想，键盘，显示器等都会映射为</a:t>
-            </a:r>
-            <a:r>
-              <a:rPr lang="en-US" altLang="zh-CN" sz="2000" dirty="0"/>
-              <a:t>/dev/</a:t>
-            </a:r>
-            <a:r>
-              <a:rPr lang="zh-CN" altLang="en-US" sz="2000" dirty="0"/>
-              <a:t>下的一个</a:t>
-            </a:r>
-            <a:r>
-              <a:rPr lang="zh-CN" altLang="en-US" sz="2000" dirty="0" smtClean="0"/>
-              <a:t>设备文件。</a:t>
-            </a:r>
-          </a:p>
-          <a:p>
-            <a:pPr marL="0" indent="0">
-              <a:buNone/>
-            </a:pPr>
+              <a:t>地址等信息。</a:t>
+            </a:r>
             <a:endParaRPr lang="en-US" altLang="zh-CN" sz="2000" dirty="0"/>
           </a:p>
         </p:txBody>
@@ -7514,7 +7355,7 @@
           <p:cNvPr id="2" name="标题 1">
             <a:extLst>
               <a:ext uri="{FF2B5EF4-FFF2-40B4-BE49-F238E27FC236}">
-                <a16:creationId xmlns="" xmlns:a16="http://schemas.microsoft.com/office/drawing/2014/main" id="{8B88BACC-24DE-4087-9AB3-A099CF573089}"/>
+                <a16:creationId xmlns:a16="http://schemas.microsoft.com/office/drawing/2014/main" id="{8B88BACC-24DE-4087-9AB3-A099CF573089}"/>
               </a:ext>
             </a:extLst>
           </p:cNvPr>
@@ -7531,10 +7372,9 @@
           <a:lstStyle/>
           <a:p>
             <a:r>
-              <a:rPr lang="zh-CN" altLang="en-US" dirty="0" smtClean="0"/>
+              <a:rPr lang="zh-CN" altLang="en-US" dirty="0"/>
               <a:t>更改文件权限</a:t>
             </a:r>
-            <a:endParaRPr lang="zh-CN" altLang="en-US" dirty="0"/>
           </a:p>
         </p:txBody>
       </p:sp>
@@ -7543,7 +7383,7 @@
           <p:cNvPr id="3" name="内容占位符 2">
             <a:extLst>
               <a:ext uri="{FF2B5EF4-FFF2-40B4-BE49-F238E27FC236}">
-                <a16:creationId xmlns="" xmlns:a16="http://schemas.microsoft.com/office/drawing/2014/main" id="{0A1C6B17-780B-4799-8193-E52FD817AC0E}"/>
+                <a16:creationId xmlns:a16="http://schemas.microsoft.com/office/drawing/2014/main" id="{0A1C6B17-780B-4799-8193-E52FD817AC0E}"/>
               </a:ext>
             </a:extLst>
           </p:cNvPr>
@@ -7560,199 +7400,199 @@
           <a:lstStyle/>
           <a:p>
             <a:r>
-              <a:rPr lang="zh-CN" altLang="en-US" sz="2000" dirty="0" smtClean="0"/>
+              <a:rPr lang="zh-CN" altLang="en-US" sz="2000" dirty="0"/>
               <a:t>直接运行</a:t>
             </a:r>
             <a:r>
-              <a:rPr lang="en-US" altLang="zh-CN" sz="2000" dirty="0" smtClean="0"/>
+              <a:rPr lang="en-US" altLang="zh-CN" sz="2000" dirty="0"/>
               <a:t>echo ‘hello’</a:t>
             </a:r>
             <a:r>
-              <a:rPr lang="zh-CN" altLang="en-US" sz="2000" dirty="0" smtClean="0"/>
+              <a:rPr lang="zh-CN" altLang="en-US" sz="2000" dirty="0"/>
               <a:t>会在当前命令窗口显示</a:t>
             </a:r>
             <a:r>
-              <a:rPr lang="en-US" altLang="zh-CN" sz="2000" dirty="0" smtClean="0"/>
+              <a:rPr lang="en-US" altLang="zh-CN" sz="2000" dirty="0"/>
               <a:t>hello</a:t>
             </a:r>
             <a:r>
-              <a:rPr lang="zh-CN" altLang="en-US" sz="2000" dirty="0" smtClean="0"/>
+              <a:rPr lang="zh-CN" altLang="en-US" sz="2000" dirty="0"/>
               <a:t>。</a:t>
             </a:r>
-            <a:endParaRPr lang="en-US" altLang="zh-CN" sz="2000" dirty="0" smtClean="0"/>
-          </a:p>
-          <a:p>
-            <a:r>
-              <a:rPr lang="zh-CN" altLang="en-US" sz="2000" dirty="0" smtClean="0"/>
+            <a:endParaRPr lang="en-US" altLang="zh-CN" sz="2000" dirty="0"/>
+          </a:p>
+          <a:p>
+            <a:r>
+              <a:rPr lang="zh-CN" altLang="en-US" sz="2000" dirty="0"/>
               <a:t>输出默认就是显示设备，当运行 </a:t>
             </a:r>
             <a:r>
-              <a:rPr lang="en-US" altLang="zh-CN" sz="2000" dirty="0" smtClean="0"/>
+              <a:rPr lang="en-US" altLang="zh-CN" sz="2000" dirty="0"/>
               <a:t>echo </a:t>
             </a:r>
             <a:r>
-              <a:rPr lang="zh-CN" altLang="en-US" sz="2000" dirty="0" smtClean="0"/>
+              <a:rPr lang="zh-CN" altLang="en-US" sz="2000" dirty="0"/>
               <a:t>‘</a:t>
             </a:r>
             <a:r>
-              <a:rPr lang="en-US" altLang="zh-CN" sz="2000" dirty="0" smtClean="0"/>
+              <a:rPr lang="en-US" altLang="zh-CN" sz="2000" dirty="0"/>
               <a:t>hello</a:t>
             </a:r>
             <a:r>
-              <a:rPr lang="zh-CN" altLang="en-US" sz="2000" dirty="0" smtClean="0"/>
+              <a:rPr lang="zh-CN" altLang="en-US" sz="2000" dirty="0"/>
               <a:t>’ </a:t>
             </a:r>
             <a:r>
-              <a:rPr lang="en-US" altLang="zh-CN" sz="2000" dirty="0" smtClean="0"/>
+              <a:rPr lang="en-US" altLang="zh-CN" sz="2000" dirty="0"/>
               <a:t>&gt; </a:t>
             </a:r>
             <a:r>
-              <a:rPr lang="en-US" altLang="zh-CN" sz="2000" dirty="0" err="1" smtClean="0"/>
+              <a:rPr lang="en-US" altLang="zh-CN" sz="2000" dirty="0" err="1"/>
               <a:t>tmp</a:t>
             </a:r>
             <a:r>
-              <a:rPr lang="en-US" altLang="zh-CN" sz="2000" dirty="0" smtClean="0"/>
+              <a:rPr lang="en-US" altLang="zh-CN" sz="2000" dirty="0"/>
               <a:t> </a:t>
             </a:r>
             <a:r>
-              <a:rPr lang="zh-CN" altLang="en-US" sz="2000" dirty="0" smtClean="0"/>
+              <a:rPr lang="zh-CN" altLang="en-US" sz="2000" dirty="0"/>
               <a:t>，此时会把输出重定向到</a:t>
             </a:r>
             <a:r>
-              <a:rPr lang="en-US" altLang="zh-CN" sz="2000" dirty="0" err="1" smtClean="0"/>
+              <a:rPr lang="en-US" altLang="zh-CN" sz="2000" dirty="0" err="1"/>
               <a:t>tmp</a:t>
             </a:r>
             <a:r>
-              <a:rPr lang="zh-CN" altLang="en-US" sz="2000" dirty="0" smtClean="0"/>
+              <a:rPr lang="zh-CN" altLang="en-US" sz="2000" dirty="0"/>
               <a:t>文件。</a:t>
             </a:r>
-            <a:endParaRPr lang="en-US" altLang="zh-CN" sz="2000" dirty="0" smtClean="0"/>
-          </a:p>
-          <a:p>
-            <a:r>
-              <a:rPr lang="zh-CN" altLang="en-US" sz="2000" dirty="0" smtClean="0"/>
+            <a:endParaRPr lang="en-US" altLang="zh-CN" sz="2000" dirty="0"/>
+          </a:p>
+          <a:p>
+            <a:r>
+              <a:rPr lang="zh-CN" altLang="en-US" sz="2000" dirty="0"/>
               <a:t>重定向的是</a:t>
             </a:r>
             <a:r>
-              <a:rPr lang="en-US" altLang="zh-CN" sz="2000" dirty="0" smtClean="0"/>
+              <a:rPr lang="en-US" altLang="zh-CN" sz="2000" dirty="0"/>
               <a:t>shell</a:t>
             </a:r>
             <a:r>
-              <a:rPr lang="zh-CN" altLang="en-US" sz="2000" dirty="0" smtClean="0"/>
+              <a:rPr lang="zh-CN" altLang="en-US" sz="2000" dirty="0"/>
               <a:t>，而不是</a:t>
             </a:r>
             <a:r>
-              <a:rPr lang="en-US" altLang="zh-CN" sz="2000" dirty="0" smtClean="0"/>
+              <a:rPr lang="en-US" altLang="zh-CN" sz="2000" dirty="0"/>
               <a:t>echo</a:t>
             </a:r>
             <a:r>
-              <a:rPr lang="zh-CN" altLang="en-US" sz="2000" dirty="0" smtClean="0"/>
+              <a:rPr lang="zh-CN" altLang="en-US" sz="2000" dirty="0"/>
               <a:t>程序，</a:t>
             </a:r>
             <a:r>
-              <a:rPr lang="en-US" altLang="zh-CN" sz="2000" dirty="0" smtClean="0"/>
+              <a:rPr lang="en-US" altLang="zh-CN" sz="2000" dirty="0"/>
               <a:t>echo ‘hello’ &gt; </a:t>
             </a:r>
             <a:r>
-              <a:rPr lang="en-US" altLang="zh-CN" sz="2000" dirty="0" err="1" smtClean="0"/>
+              <a:rPr lang="en-US" altLang="zh-CN" sz="2000" dirty="0" err="1"/>
               <a:t>tmp</a:t>
             </a:r>
             <a:r>
-              <a:rPr lang="en-US" altLang="zh-CN" sz="2000" dirty="0" smtClean="0"/>
+              <a:rPr lang="en-US" altLang="zh-CN" sz="2000" dirty="0"/>
               <a:t> </a:t>
             </a:r>
             <a:r>
-              <a:rPr lang="zh-CN" altLang="en-US" sz="2000" dirty="0" smtClean="0"/>
+              <a:rPr lang="zh-CN" altLang="en-US" sz="2000" dirty="0"/>
               <a:t>告诉</a:t>
             </a:r>
             <a:r>
-              <a:rPr lang="en-US" altLang="zh-CN" sz="2000" dirty="0" smtClean="0"/>
+              <a:rPr lang="en-US" altLang="zh-CN" sz="2000" dirty="0"/>
               <a:t>shell</a:t>
             </a:r>
             <a:r>
-              <a:rPr lang="zh-CN" altLang="en-US" sz="2000" dirty="0" smtClean="0"/>
+              <a:rPr lang="zh-CN" altLang="en-US" sz="2000" dirty="0"/>
               <a:t>把输出指向</a:t>
             </a:r>
             <a:r>
-              <a:rPr lang="en-US" altLang="zh-CN" sz="2000" dirty="0" err="1" smtClean="0"/>
+              <a:rPr lang="en-US" altLang="zh-CN" sz="2000" dirty="0" err="1"/>
               <a:t>tmp</a:t>
             </a:r>
             <a:r>
-              <a:rPr lang="zh-CN" altLang="en-US" sz="2000" dirty="0" smtClean="0"/>
+              <a:rPr lang="zh-CN" altLang="en-US" sz="2000" dirty="0"/>
               <a:t>文件，而不是当前显示设备。</a:t>
             </a:r>
-            <a:endParaRPr lang="en-US" altLang="zh-CN" sz="2000" dirty="0" smtClean="0"/>
-          </a:p>
-          <a:p>
-            <a:r>
-              <a:rPr lang="zh-CN" altLang="en-US" sz="2000" dirty="0" smtClean="0"/>
+            <a:endParaRPr lang="en-US" altLang="zh-CN" sz="2000" dirty="0"/>
+          </a:p>
+          <a:p>
+            <a:r>
+              <a:rPr lang="zh-CN" altLang="en-US" sz="2000" dirty="0"/>
               <a:t>同样，对于输入来说，默认是等待键盘输入并执行命令，而运行</a:t>
             </a:r>
             <a:r>
-              <a:rPr lang="en-US" altLang="zh-CN" sz="2000" dirty="0" smtClean="0"/>
+              <a:rPr lang="en-US" altLang="zh-CN" sz="2000" dirty="0"/>
               <a:t>grep </a:t>
             </a:r>
             <a:r>
-              <a:rPr lang="zh-CN" altLang="en-US" sz="2000" dirty="0" smtClean="0"/>
+              <a:rPr lang="zh-CN" altLang="en-US" sz="2000" dirty="0"/>
               <a:t>‘</a:t>
             </a:r>
             <a:r>
-              <a:rPr lang="en-US" altLang="zh-CN" sz="2000" dirty="0" smtClean="0"/>
+              <a:rPr lang="en-US" altLang="zh-CN" sz="2000" dirty="0"/>
               <a:t>hello</a:t>
             </a:r>
             <a:r>
-              <a:rPr lang="zh-CN" altLang="en-US" sz="2000" dirty="0" smtClean="0"/>
+              <a:rPr lang="zh-CN" altLang="en-US" sz="2000" dirty="0"/>
               <a:t>’ </a:t>
             </a:r>
             <a:r>
-              <a:rPr lang="en-US" altLang="zh-CN" sz="2000" dirty="0" smtClean="0"/>
+              <a:rPr lang="en-US" altLang="zh-CN" sz="2000" dirty="0"/>
               <a:t>&lt; </a:t>
             </a:r>
             <a:r>
-              <a:rPr lang="en-US" altLang="zh-CN" sz="2000" dirty="0" err="1" smtClean="0"/>
+              <a:rPr lang="en-US" altLang="zh-CN" sz="2000" dirty="0" err="1"/>
               <a:t>tmp</a:t>
             </a:r>
             <a:r>
-              <a:rPr lang="en-US" altLang="zh-CN" sz="2000" dirty="0" smtClean="0"/>
+              <a:rPr lang="en-US" altLang="zh-CN" sz="2000" dirty="0"/>
               <a:t> </a:t>
             </a:r>
             <a:r>
-              <a:rPr lang="zh-CN" altLang="en-US" sz="2000" dirty="0" smtClean="0"/>
+              <a:rPr lang="zh-CN" altLang="en-US" sz="2000" dirty="0"/>
               <a:t>告诉</a:t>
             </a:r>
             <a:r>
-              <a:rPr lang="en-US" altLang="zh-CN" sz="2000" dirty="0" smtClean="0"/>
+              <a:rPr lang="en-US" altLang="zh-CN" sz="2000" dirty="0"/>
               <a:t>shell</a:t>
             </a:r>
             <a:r>
-              <a:rPr lang="zh-CN" altLang="en-US" sz="2000" dirty="0" smtClean="0"/>
+              <a:rPr lang="zh-CN" altLang="en-US" sz="2000" dirty="0"/>
               <a:t>从</a:t>
             </a:r>
             <a:r>
-              <a:rPr lang="en-US" altLang="zh-CN" sz="2000" dirty="0" err="1" smtClean="0"/>
+              <a:rPr lang="en-US" altLang="zh-CN" sz="2000" dirty="0" err="1"/>
               <a:t>tmp</a:t>
             </a:r>
             <a:r>
-              <a:rPr lang="zh-CN" altLang="en-US" sz="2000" dirty="0" smtClean="0"/>
+              <a:rPr lang="zh-CN" altLang="en-US" sz="2000" dirty="0"/>
               <a:t>文件获取输入，默认的</a:t>
             </a:r>
             <a:r>
-              <a:rPr lang="en-US" altLang="zh-CN" sz="2000" dirty="0" smtClean="0"/>
+              <a:rPr lang="en-US" altLang="zh-CN" sz="2000" dirty="0"/>
               <a:t>grep </a:t>
             </a:r>
             <a:r>
-              <a:rPr lang="zh-CN" altLang="en-US" sz="2000" dirty="0" smtClean="0"/>
+              <a:rPr lang="zh-CN" altLang="en-US" sz="2000" dirty="0"/>
               <a:t>‘</a:t>
             </a:r>
             <a:r>
-              <a:rPr lang="en-US" altLang="zh-CN" sz="2000" dirty="0" smtClean="0"/>
+              <a:rPr lang="en-US" altLang="zh-CN" sz="2000" dirty="0"/>
               <a:t>hello</a:t>
             </a:r>
             <a:r>
-              <a:rPr lang="zh-CN" altLang="en-US" sz="2000" dirty="0" smtClean="0"/>
+              <a:rPr lang="zh-CN" altLang="en-US" sz="2000" dirty="0"/>
               <a:t>’ 是启动后等待输入并进行正则表达式匹配的。</a:t>
             </a:r>
-            <a:endParaRPr lang="en-US" altLang="zh-CN" sz="2000" dirty="0" smtClean="0"/>
+            <a:endParaRPr lang="en-US" altLang="zh-CN" sz="2000" dirty="0"/>
           </a:p>
           <a:p>
             <a:endParaRPr lang="en-US" altLang="zh-CN" sz="2000" dirty="0"/>
@@ -7794,7 +7634,7 @@
           <p:cNvPr id="2" name="标题 1">
             <a:extLst>
               <a:ext uri="{FF2B5EF4-FFF2-40B4-BE49-F238E27FC236}">
-                <a16:creationId xmlns="" xmlns:a16="http://schemas.microsoft.com/office/drawing/2014/main" id="{8B88BACC-24DE-4087-9AB3-A099CF573089}"/>
+                <a16:creationId xmlns:a16="http://schemas.microsoft.com/office/drawing/2014/main" id="{8B88BACC-24DE-4087-9AB3-A099CF573089}"/>
               </a:ext>
             </a:extLst>
           </p:cNvPr>
@@ -7811,10 +7651,9 @@
           <a:lstStyle/>
           <a:p>
             <a:r>
-              <a:rPr lang="zh-CN" altLang="en-US" dirty="0" smtClean="0"/>
+              <a:rPr lang="zh-CN" altLang="en-US" dirty="0"/>
               <a:t>更改文件所属用户与用户组</a:t>
             </a:r>
-            <a:endParaRPr lang="zh-CN" altLang="en-US" dirty="0"/>
           </a:p>
         </p:txBody>
       </p:sp>
@@ -7823,7 +7662,7 @@
           <p:cNvPr id="3" name="内容占位符 2">
             <a:extLst>
               <a:ext uri="{FF2B5EF4-FFF2-40B4-BE49-F238E27FC236}">
-                <a16:creationId xmlns="" xmlns:a16="http://schemas.microsoft.com/office/drawing/2014/main" id="{0A1C6B17-780B-4799-8193-E52FD817AC0E}"/>
+                <a16:creationId xmlns:a16="http://schemas.microsoft.com/office/drawing/2014/main" id="{0A1C6B17-780B-4799-8193-E52FD817AC0E}"/>
               </a:ext>
             </a:extLst>
           </p:cNvPr>
@@ -7840,83 +7679,75 @@
           <a:lstStyle/>
           <a:p>
             <a:r>
-              <a:rPr lang="zh-CN" altLang="en-US" sz="2000" dirty="0" smtClean="0"/>
+              <a:rPr lang="zh-CN" altLang="en-US" sz="2000" dirty="0"/>
               <a:t>运行</a:t>
             </a:r>
             <a:r>
-              <a:rPr lang="en-US" altLang="zh-CN" sz="2000" dirty="0" smtClean="0"/>
+              <a:rPr lang="en-US" altLang="zh-CN" sz="2000" dirty="0"/>
               <a:t>ls –R &gt; </a:t>
             </a:r>
             <a:r>
-              <a:rPr lang="en-US" altLang="zh-CN" sz="2000" dirty="0" err="1" smtClean="0"/>
+              <a:rPr lang="en-US" altLang="zh-CN" sz="2000" dirty="0" err="1"/>
               <a:t>lstmp</a:t>
             </a:r>
-            <a:endParaRPr lang="en-US" altLang="zh-CN" sz="2000" dirty="0" smtClean="0"/>
-          </a:p>
-          <a:p>
-            <a:r>
-              <a:rPr lang="zh-CN" altLang="en-US" sz="2000" dirty="0" smtClean="0"/>
+            <a:endParaRPr lang="en-US" altLang="zh-CN" sz="2000" dirty="0"/>
+          </a:p>
+          <a:p>
+            <a:r>
+              <a:rPr lang="zh-CN" altLang="en-US" sz="2000" dirty="0"/>
               <a:t>此时终端没有任何输出</a:t>
             </a:r>
-            <a:endParaRPr lang="en-US" altLang="zh-CN" sz="2000" dirty="0" smtClean="0"/>
-          </a:p>
-          <a:p>
-            <a:r>
-              <a:rPr lang="zh-CN" altLang="en-US" sz="2000" dirty="0" smtClean="0"/>
-              <a:t>但是</a:t>
-            </a:r>
+            <a:endParaRPr lang="en-US" altLang="zh-CN" sz="2000" dirty="0"/>
+          </a:p>
+          <a:p>
             <a:r>
               <a:rPr lang="zh-CN" altLang="en-US" sz="2000" dirty="0"/>
-              <a:t>当前</a:t>
-            </a:r>
-            <a:r>
-              <a:rPr lang="zh-CN" altLang="en-US" sz="2000" dirty="0" smtClean="0"/>
-              <a:t>目录会有一个</a:t>
-            </a:r>
-            <a:r>
-              <a:rPr lang="en-US" altLang="zh-CN" sz="2000" dirty="0" err="1" smtClean="0"/>
+              <a:t>但是当前目录会有一个</a:t>
+            </a:r>
+            <a:r>
+              <a:rPr lang="en-US" altLang="zh-CN" sz="2000" dirty="0" err="1"/>
               <a:t>lstmp</a:t>
             </a:r>
             <a:r>
-              <a:rPr lang="zh-CN" altLang="en-US" sz="2000" dirty="0" smtClean="0"/>
+              <a:rPr lang="zh-CN" altLang="en-US" sz="2000" dirty="0"/>
               <a:t>文件</a:t>
             </a:r>
-            <a:endParaRPr lang="en-US" altLang="zh-CN" sz="2000" dirty="0" smtClean="0"/>
-          </a:p>
-          <a:p>
-            <a:r>
-              <a:rPr lang="zh-CN" altLang="en-US" sz="2000" dirty="0" smtClean="0"/>
+            <a:endParaRPr lang="en-US" altLang="zh-CN" sz="2000" dirty="0"/>
+          </a:p>
+          <a:p>
+            <a:r>
+              <a:rPr lang="zh-CN" altLang="en-US" sz="2000" dirty="0"/>
               <a:t>查看</a:t>
             </a:r>
             <a:r>
-              <a:rPr lang="en-US" altLang="zh-CN" sz="2000" dirty="0" err="1" smtClean="0"/>
+              <a:rPr lang="en-US" altLang="zh-CN" sz="2000" dirty="0" err="1"/>
               <a:t>lstmp</a:t>
             </a:r>
             <a:r>
-              <a:rPr lang="zh-CN" altLang="en-US" sz="2000" dirty="0" smtClean="0"/>
+              <a:rPr lang="zh-CN" altLang="en-US" sz="2000" dirty="0"/>
               <a:t>文件：</a:t>
             </a:r>
             <a:r>
-              <a:rPr lang="en-US" altLang="zh-CN" sz="2000" dirty="0" smtClean="0"/>
+              <a:rPr lang="en-US" altLang="zh-CN" sz="2000" dirty="0"/>
               <a:t>cat </a:t>
             </a:r>
             <a:r>
-              <a:rPr lang="en-US" altLang="zh-CN" sz="2000" dirty="0" err="1" smtClean="0"/>
+              <a:rPr lang="en-US" altLang="zh-CN" sz="2000" dirty="0" err="1"/>
               <a:t>lstmp</a:t>
             </a:r>
             <a:r>
-              <a:rPr lang="zh-CN" altLang="en-US" sz="2000" dirty="0" smtClean="0"/>
+              <a:rPr lang="zh-CN" altLang="en-US" sz="2000" dirty="0"/>
               <a:t>或者是用</a:t>
             </a:r>
             <a:r>
-              <a:rPr lang="en-US" altLang="zh-CN" sz="2000" dirty="0" smtClean="0"/>
+              <a:rPr lang="en-US" altLang="zh-CN" sz="2000" dirty="0"/>
               <a:t>vi </a:t>
             </a:r>
             <a:r>
-              <a:rPr lang="en-US" altLang="zh-CN" sz="2000" dirty="0" err="1" smtClean="0"/>
+              <a:rPr lang="en-US" altLang="zh-CN" sz="2000" dirty="0" err="1"/>
               <a:t>lstmp</a:t>
             </a:r>
-            <a:endParaRPr lang="en-US" altLang="zh-CN" sz="2000" dirty="0" smtClean="0"/>
+            <a:endParaRPr lang="en-US" altLang="zh-CN" sz="2000" dirty="0"/>
           </a:p>
           <a:p>
             <a:endParaRPr lang="en-US" altLang="zh-CN" sz="2000" dirty="0"/>
